--- a/Docs/VisualDiagram.pptx
+++ b/Docs/VisualDiagram.pptx
@@ -104,6 +104,11 @@
       </a:defRPr>
     </a:lvl9pPr>
   </p:defaultTextStyle>
+  <p:extLst>
+    <p:ext uri="{EFAFB233-063F-42B5-8137-9DF3F51BA10A}">
+      <p15:sldGuideLst xmlns:p15="http://schemas.microsoft.com/office/powerpoint/2012/main"/>
+    </p:ext>
+  </p:extLst>
 </p:presentation>
 </file>
 
@@ -266,7 +271,7 @@
           <a:p>
             <a:fld id="{83896574-BDD5-49F8-83D6-D0053EC454AE}" type="datetimeFigureOut">
               <a:rPr lang="en-US" smtClean="0"/>
-              <a:t>4/19/2020</a:t>
+              <a:t>4/21/2020</a:t>
             </a:fld>
             <a:endParaRPr lang="en-US"/>
           </a:p>
@@ -464,7 +469,7 @@
           <a:p>
             <a:fld id="{83896574-BDD5-49F8-83D6-D0053EC454AE}" type="datetimeFigureOut">
               <a:rPr lang="en-US" smtClean="0"/>
-              <a:t>4/19/2020</a:t>
+              <a:t>4/21/2020</a:t>
             </a:fld>
             <a:endParaRPr lang="en-US"/>
           </a:p>
@@ -672,7 +677,7 @@
           <a:p>
             <a:fld id="{83896574-BDD5-49F8-83D6-D0053EC454AE}" type="datetimeFigureOut">
               <a:rPr lang="en-US" smtClean="0"/>
-              <a:t>4/19/2020</a:t>
+              <a:t>4/21/2020</a:t>
             </a:fld>
             <a:endParaRPr lang="en-US"/>
           </a:p>
@@ -870,7 +875,7 @@
           <a:p>
             <a:fld id="{83896574-BDD5-49F8-83D6-D0053EC454AE}" type="datetimeFigureOut">
               <a:rPr lang="en-US" smtClean="0"/>
-              <a:t>4/19/2020</a:t>
+              <a:t>4/21/2020</a:t>
             </a:fld>
             <a:endParaRPr lang="en-US"/>
           </a:p>
@@ -1145,7 +1150,7 @@
           <a:p>
             <a:fld id="{83896574-BDD5-49F8-83D6-D0053EC454AE}" type="datetimeFigureOut">
               <a:rPr lang="en-US" smtClean="0"/>
-              <a:t>4/19/2020</a:t>
+              <a:t>4/21/2020</a:t>
             </a:fld>
             <a:endParaRPr lang="en-US"/>
           </a:p>
@@ -1410,7 +1415,7 @@
           <a:p>
             <a:fld id="{83896574-BDD5-49F8-83D6-D0053EC454AE}" type="datetimeFigureOut">
               <a:rPr lang="en-US" smtClean="0"/>
-              <a:t>4/19/2020</a:t>
+              <a:t>4/21/2020</a:t>
             </a:fld>
             <a:endParaRPr lang="en-US"/>
           </a:p>
@@ -1822,7 +1827,7 @@
           <a:p>
             <a:fld id="{83896574-BDD5-49F8-83D6-D0053EC454AE}" type="datetimeFigureOut">
               <a:rPr lang="en-US" smtClean="0"/>
-              <a:t>4/19/2020</a:t>
+              <a:t>4/21/2020</a:t>
             </a:fld>
             <a:endParaRPr lang="en-US"/>
           </a:p>
@@ -1963,7 +1968,7 @@
           <a:p>
             <a:fld id="{83896574-BDD5-49F8-83D6-D0053EC454AE}" type="datetimeFigureOut">
               <a:rPr lang="en-US" smtClean="0"/>
-              <a:t>4/19/2020</a:t>
+              <a:t>4/21/2020</a:t>
             </a:fld>
             <a:endParaRPr lang="en-US"/>
           </a:p>
@@ -2076,7 +2081,7 @@
           <a:p>
             <a:fld id="{83896574-BDD5-49F8-83D6-D0053EC454AE}" type="datetimeFigureOut">
               <a:rPr lang="en-US" smtClean="0"/>
-              <a:t>4/19/2020</a:t>
+              <a:t>4/21/2020</a:t>
             </a:fld>
             <a:endParaRPr lang="en-US"/>
           </a:p>
@@ -2387,7 +2392,7 @@
           <a:p>
             <a:fld id="{83896574-BDD5-49F8-83D6-D0053EC454AE}" type="datetimeFigureOut">
               <a:rPr lang="en-US" smtClean="0"/>
-              <a:t>4/19/2020</a:t>
+              <a:t>4/21/2020</a:t>
             </a:fld>
             <a:endParaRPr lang="en-US"/>
           </a:p>
@@ -2675,7 +2680,7 @@
           <a:p>
             <a:fld id="{83896574-BDD5-49F8-83D6-D0053EC454AE}" type="datetimeFigureOut">
               <a:rPr lang="en-US" smtClean="0"/>
-              <a:t>4/19/2020</a:t>
+              <a:t>4/21/2020</a:t>
             </a:fld>
             <a:endParaRPr lang="en-US"/>
           </a:p>
@@ -2916,7 +2921,7 @@
           <a:p>
             <a:fld id="{83896574-BDD5-49F8-83D6-D0053EC454AE}" type="datetimeFigureOut">
               <a:rPr lang="en-US" smtClean="0"/>
-              <a:t>4/19/2020</a:t>
+              <a:t>4/21/2020</a:t>
             </a:fld>
             <a:endParaRPr lang="en-US"/>
           </a:p>
@@ -3355,7 +3360,7 @@
         </p:nvSpPr>
         <p:spPr>
           <a:xfrm>
-            <a:off x="1076612" y="1746780"/>
+            <a:off x="1126618" y="3259893"/>
             <a:ext cx="529338" cy="272868"/>
           </a:xfrm>
           <a:prstGeom prst="rect">
@@ -3408,7 +3413,7 @@
         </p:nvSpPr>
         <p:spPr>
           <a:xfrm>
-            <a:off x="1706834" y="1746780"/>
+            <a:off x="1756840" y="3259893"/>
             <a:ext cx="529338" cy="272868"/>
           </a:xfrm>
           <a:prstGeom prst="rect">
@@ -3461,7 +3466,7 @@
         </p:nvSpPr>
         <p:spPr>
           <a:xfrm>
-            <a:off x="2337056" y="1746780"/>
+            <a:off x="2387062" y="3259893"/>
             <a:ext cx="529338" cy="272868"/>
           </a:xfrm>
           <a:prstGeom prst="rect">
@@ -3514,7 +3519,7 @@
         </p:nvSpPr>
         <p:spPr>
           <a:xfrm>
-            <a:off x="2966994" y="1746780"/>
+            <a:off x="3017000" y="3259893"/>
             <a:ext cx="529338" cy="272868"/>
           </a:xfrm>
           <a:prstGeom prst="rect">
@@ -3571,7 +3576,7 @@
         </p:nvSpPr>
         <p:spPr>
           <a:xfrm>
-            <a:off x="3607845" y="1746780"/>
+            <a:off x="3657851" y="3259893"/>
             <a:ext cx="529338" cy="272868"/>
           </a:xfrm>
           <a:prstGeom prst="rect">
@@ -3624,7 +3629,7 @@
         </p:nvSpPr>
         <p:spPr>
           <a:xfrm>
-            <a:off x="1147193" y="2942917"/>
+            <a:off x="1197199" y="4456030"/>
             <a:ext cx="529338" cy="272868"/>
           </a:xfrm>
           <a:prstGeom prst="rect">
@@ -3677,7 +3682,7 @@
         </p:nvSpPr>
         <p:spPr>
           <a:xfrm>
-            <a:off x="1781509" y="2942917"/>
+            <a:off x="1831515" y="4456030"/>
             <a:ext cx="529338" cy="272868"/>
           </a:xfrm>
           <a:prstGeom prst="rect">
@@ -3730,7 +3735,7 @@
         </p:nvSpPr>
         <p:spPr>
           <a:xfrm>
-            <a:off x="2415603" y="2942917"/>
+            <a:off x="2465609" y="4456030"/>
             <a:ext cx="529338" cy="272868"/>
           </a:xfrm>
           <a:prstGeom prst="rect">
@@ -3783,7 +3788,7 @@
         </p:nvSpPr>
         <p:spPr>
           <a:xfrm>
-            <a:off x="3041813" y="2942917"/>
+            <a:off x="3091819" y="4456030"/>
             <a:ext cx="529338" cy="272868"/>
           </a:xfrm>
           <a:prstGeom prst="rect">
@@ -3840,7 +3845,7 @@
         </p:nvSpPr>
         <p:spPr>
           <a:xfrm>
-            <a:off x="3682664" y="2942917"/>
+            <a:off x="3732670" y="4456030"/>
             <a:ext cx="529338" cy="272868"/>
           </a:xfrm>
           <a:prstGeom prst="rect">
@@ -3893,7 +3898,7 @@
         </p:nvSpPr>
         <p:spPr>
           <a:xfrm>
-            <a:off x="948797" y="2769471"/>
+            <a:off x="998803" y="4282584"/>
             <a:ext cx="3459481" cy="659529"/>
           </a:xfrm>
           <a:prstGeom prst="roundRect">
@@ -3957,8 +3962,8 @@
         </p:blipFill>
         <p:spPr>
           <a:xfrm>
-            <a:off x="421812" y="49204"/>
-            <a:ext cx="828620" cy="828620"/>
+            <a:off x="421812" y="13486"/>
+            <a:ext cx="828620" cy="830996"/>
           </a:xfrm>
           <a:prstGeom prst="rect">
             <a:avLst/>
@@ -3979,7 +3984,7 @@
         </p:nvSpPr>
         <p:spPr>
           <a:xfrm>
-            <a:off x="526532" y="49204"/>
+            <a:off x="526531" y="-8748"/>
             <a:ext cx="619180" cy="246221"/>
           </a:xfrm>
           <a:prstGeom prst="rect">
@@ -4031,7 +4036,7 @@
         </p:blipFill>
         <p:spPr>
           <a:xfrm>
-            <a:off x="2592386" y="239545"/>
+            <a:off x="2642392" y="1752658"/>
             <a:ext cx="451335" cy="451335"/>
           </a:xfrm>
           <a:prstGeom prst="rect">
@@ -4053,7 +4058,7 @@
         </p:nvSpPr>
         <p:spPr>
           <a:xfrm>
-            <a:off x="5345419" y="1702672"/>
+            <a:off x="5395425" y="3215785"/>
             <a:ext cx="529338" cy="272868"/>
           </a:xfrm>
           <a:prstGeom prst="rect">
@@ -4113,7 +4118,7 @@
         </p:nvSpPr>
         <p:spPr>
           <a:xfrm>
-            <a:off x="5986270" y="1702672"/>
+            <a:off x="6036276" y="3215785"/>
             <a:ext cx="529338" cy="272868"/>
           </a:xfrm>
           <a:prstGeom prst="rect">
@@ -4166,7 +4171,7 @@
         </p:nvSpPr>
         <p:spPr>
           <a:xfrm>
-            <a:off x="6627121" y="1702672"/>
+            <a:off x="6677127" y="3215785"/>
             <a:ext cx="529338" cy="272868"/>
           </a:xfrm>
           <a:prstGeom prst="rect">
@@ -4226,7 +4231,7 @@
         </p:nvSpPr>
         <p:spPr>
           <a:xfrm>
-            <a:off x="5172033" y="1500366"/>
+            <a:off x="5222039" y="3013479"/>
             <a:ext cx="2157812" cy="659529"/>
           </a:xfrm>
           <a:prstGeom prst="roundRect">
@@ -4273,7 +4278,7 @@
         </p:nvSpPr>
         <p:spPr>
           <a:xfrm>
-            <a:off x="948797" y="1519791"/>
+            <a:off x="998803" y="3032904"/>
             <a:ext cx="3459481" cy="659529"/>
           </a:xfrm>
           <a:prstGeom prst="roundRect">
@@ -4320,7 +4325,7 @@
         </p:nvSpPr>
         <p:spPr>
           <a:xfrm>
-            <a:off x="2348074" y="49204"/>
+            <a:off x="2398080" y="1562317"/>
             <a:ext cx="939957" cy="246221"/>
           </a:xfrm>
           <a:prstGeom prst="rect">
@@ -4341,47 +4346,6 @@
           </a:p>
         </p:txBody>
       </p:sp>
-      <p:cxnSp>
-        <p:nvCxnSpPr>
-          <p:cNvPr id="48" name="Straight Arrow Connector 47">
-            <a:extLst>
-              <a:ext uri="{FF2B5EF4-FFF2-40B4-BE49-F238E27FC236}">
-                <a16:creationId xmlns:a16="http://schemas.microsoft.com/office/drawing/2014/main" id="{5761FCF0-8E7C-4877-9DE8-A3ACC4A65B25}"/>
-              </a:ext>
-            </a:extLst>
-          </p:cNvPr>
-          <p:cNvCxnSpPr>
-            <a:cxnSpLocks/>
-          </p:cNvCxnSpPr>
-          <p:nvPr/>
-        </p:nvCxnSpPr>
-        <p:spPr>
-          <a:xfrm>
-            <a:off x="1250432" y="512548"/>
-            <a:ext cx="1341954" cy="1699"/>
-          </a:xfrm>
-          <a:prstGeom prst="straightConnector1">
-            <a:avLst/>
-          </a:prstGeom>
-          <a:ln>
-            <a:tailEnd type="triangle"/>
-          </a:ln>
-        </p:spPr>
-        <p:style>
-          <a:lnRef idx="1">
-            <a:schemeClr val="accent1"/>
-          </a:lnRef>
-          <a:fillRef idx="0">
-            <a:schemeClr val="accent1"/>
-          </a:fillRef>
-          <a:effectRef idx="0">
-            <a:schemeClr val="accent1"/>
-          </a:effectRef>
-          <a:fontRef idx="minor">
-            <a:schemeClr val="tx1"/>
-          </a:fontRef>
-        </p:style>
-      </p:cxnSp>
       <p:pic>
         <p:nvPicPr>
           <p:cNvPr id="51" name="Graphic 50" descr="Television">
@@ -4413,7 +4377,7 @@
         </p:blipFill>
         <p:spPr>
           <a:xfrm>
-            <a:off x="5391906" y="143291"/>
+            <a:off x="5441912" y="1656404"/>
             <a:ext cx="547589" cy="547589"/>
           </a:xfrm>
           <a:prstGeom prst="rect">
@@ -4435,7 +4399,7 @@
         </p:nvSpPr>
         <p:spPr>
           <a:xfrm>
-            <a:off x="5172162" y="8962"/>
+            <a:off x="5222168" y="1522075"/>
             <a:ext cx="1015342" cy="246221"/>
           </a:xfrm>
           <a:prstGeom prst="rect">
@@ -4473,7 +4437,7 @@
         </p:nvCxnSpPr>
         <p:spPr>
           <a:xfrm rot="5400000">
-            <a:off x="1304088" y="335590"/>
+            <a:off x="1354094" y="1848703"/>
             <a:ext cx="1158676" cy="1869257"/>
           </a:xfrm>
           <a:prstGeom prst="bentConnector4">
@@ -4518,7 +4482,7 @@
         </p:nvCxnSpPr>
         <p:spPr>
           <a:xfrm rot="5400000">
-            <a:off x="679248" y="960430"/>
+            <a:off x="729254" y="2473543"/>
             <a:ext cx="2408356" cy="1869257"/>
           </a:xfrm>
           <a:prstGeom prst="bentConnector4">
@@ -4532,14 +4496,14 @@
           </a:ln>
         </p:spPr>
         <p:style>
-          <a:lnRef idx="1">
-            <a:schemeClr val="accent1"/>
+          <a:lnRef idx="2">
+            <a:schemeClr val="accent5"/>
           </a:lnRef>
           <a:fillRef idx="0">
-            <a:schemeClr val="accent1"/>
+            <a:schemeClr val="accent5"/>
           </a:fillRef>
-          <a:effectRef idx="0">
-            <a:schemeClr val="accent1"/>
+          <a:effectRef idx="1">
+            <a:schemeClr val="accent5"/>
           </a:effectRef>
           <a:fontRef idx="minor">
             <a:schemeClr val="tx1"/>
@@ -4562,7 +4526,7 @@
         </p:nvCxnSpPr>
         <p:spPr>
           <a:xfrm>
-            <a:off x="3033062" y="518093"/>
+            <a:off x="3083068" y="2031206"/>
             <a:ext cx="2128312" cy="1384343"/>
           </a:xfrm>
           <a:prstGeom prst="bentConnector3">
@@ -4575,14 +4539,14 @@
           </a:ln>
         </p:spPr>
         <p:style>
-          <a:lnRef idx="1">
-            <a:schemeClr val="accent1"/>
+          <a:lnRef idx="2">
+            <a:schemeClr val="accent5"/>
           </a:lnRef>
           <a:fillRef idx="0">
-            <a:schemeClr val="accent1"/>
+            <a:schemeClr val="accent5"/>
           </a:fillRef>
-          <a:effectRef idx="0">
-            <a:schemeClr val="accent1"/>
+          <a:effectRef idx="1">
+            <a:schemeClr val="accent5"/>
           </a:effectRef>
           <a:fontRef idx="minor">
             <a:schemeClr val="tx1"/>
@@ -4599,6 +4563,7 @@
             </a:extLst>
           </p:cNvPr>
           <p:cNvCxnSpPr>
+            <a:cxnSpLocks/>
             <a:stCxn id="51" idx="1"/>
             <a:endCxn id="44" idx="3"/>
           </p:cNvCxnSpPr>
@@ -4606,7 +4571,7 @@
         </p:nvCxnSpPr>
         <p:spPr>
           <a:xfrm rot="10800000" flipV="1">
-            <a:off x="4408278" y="417086"/>
+            <a:off x="4458284" y="1930199"/>
             <a:ext cx="983628" cy="1432470"/>
           </a:xfrm>
           <a:prstGeom prst="bentConnector3">
@@ -4649,7 +4614,7 @@
         </p:nvCxnSpPr>
         <p:spPr>
           <a:xfrm rot="10800000" flipV="1">
-            <a:off x="4408278" y="358105"/>
+            <a:off x="4458284" y="1871218"/>
             <a:ext cx="983628" cy="2682150"/>
           </a:xfrm>
           <a:prstGeom prst="bentConnector3">
@@ -4662,14 +4627,14 @@
           </a:ln>
         </p:spPr>
         <p:style>
-          <a:lnRef idx="1">
-            <a:schemeClr val="accent2"/>
+          <a:lnRef idx="2">
+            <a:schemeClr val="accent4"/>
           </a:lnRef>
           <a:fillRef idx="0">
-            <a:schemeClr val="accent2"/>
+            <a:schemeClr val="accent4"/>
           </a:fillRef>
-          <a:effectRef idx="0">
-            <a:schemeClr val="accent2"/>
+          <a:effectRef idx="1">
+            <a:schemeClr val="accent4"/>
           </a:effectRef>
           <a:fontRef idx="minor">
             <a:schemeClr val="tx1"/>
@@ -4692,7 +4657,7 @@
         </p:nvCxnSpPr>
         <p:spPr>
           <a:xfrm rot="10800000" flipV="1">
-            <a:off x="5172033" y="354133"/>
+            <a:off x="5222039" y="1867246"/>
             <a:ext cx="219873" cy="1432470"/>
           </a:xfrm>
           <a:prstGeom prst="bentConnector3">
@@ -4705,14 +4670,14 @@
           </a:ln>
         </p:spPr>
         <p:style>
-          <a:lnRef idx="1">
-            <a:schemeClr val="accent2"/>
+          <a:lnRef idx="2">
+            <a:schemeClr val="accent4"/>
           </a:lnRef>
           <a:fillRef idx="0">
-            <a:schemeClr val="accent2"/>
+            <a:schemeClr val="accent4"/>
           </a:fillRef>
-          <a:effectRef idx="0">
-            <a:schemeClr val="accent2"/>
+          <a:effectRef idx="1">
+            <a:schemeClr val="accent4"/>
           </a:effectRef>
           <a:fontRef idx="minor">
             <a:schemeClr val="tx1"/>
@@ -4735,7 +4700,7 @@
         </p:nvCxnSpPr>
         <p:spPr>
           <a:xfrm flipH="1" flipV="1">
-            <a:off x="3103880" y="417085"/>
+            <a:off x="3153886" y="1930198"/>
             <a:ext cx="2288026" cy="1"/>
           </a:xfrm>
           <a:prstGeom prst="straightConnector1">
@@ -4746,14 +4711,14 @@
           </a:ln>
         </p:spPr>
         <p:style>
-          <a:lnRef idx="1">
-            <a:schemeClr val="accent1"/>
+          <a:lnRef idx="2">
+            <a:schemeClr val="accent5"/>
           </a:lnRef>
           <a:fillRef idx="0">
-            <a:schemeClr val="accent1"/>
+            <a:schemeClr val="accent5"/>
           </a:fillRef>
-          <a:effectRef idx="0">
-            <a:schemeClr val="accent1"/>
+          <a:effectRef idx="1">
+            <a:schemeClr val="accent5"/>
           </a:effectRef>
           <a:fontRef idx="minor">
             <a:schemeClr val="tx1"/>
@@ -4762,10 +4727,10 @@
       </p:cxnSp>
       <p:sp>
         <p:nvSpPr>
-          <p:cNvPr id="92" name="Speech Bubble: Rectangle 91">
-            <a:extLst>
-              <a:ext uri="{FF2B5EF4-FFF2-40B4-BE49-F238E27FC236}">
-                <a16:creationId xmlns:a16="http://schemas.microsoft.com/office/drawing/2014/main" id="{63A102B7-26A5-4DF3-86D8-3E410BEAA455}"/>
+          <p:cNvPr id="98" name="Speech Bubble: Rectangle 97">
+            <a:extLst>
+              <a:ext uri="{FF2B5EF4-FFF2-40B4-BE49-F238E27FC236}">
+                <a16:creationId xmlns:a16="http://schemas.microsoft.com/office/drawing/2014/main" id="{71DE7C1F-8DF1-49C5-9FC0-B96F23FFCC8B}"/>
               </a:ext>
             </a:extLst>
           </p:cNvPr>
@@ -4774,7 +4739,7 @@
         </p:nvSpPr>
         <p:spPr>
           <a:xfrm>
-            <a:off x="3559167" y="255183"/>
+            <a:off x="8568060" y="195996"/>
             <a:ext cx="123497" cy="118374"/>
           </a:xfrm>
           <a:prstGeom prst="wedgeRectCallout">
@@ -4811,10 +4776,87 @@
       </p:sp>
       <p:sp>
         <p:nvSpPr>
-          <p:cNvPr id="98" name="Speech Bubble: Rectangle 97">
-            <a:extLst>
-              <a:ext uri="{FF2B5EF4-FFF2-40B4-BE49-F238E27FC236}">
-                <a16:creationId xmlns:a16="http://schemas.microsoft.com/office/drawing/2014/main" id="{71DE7C1F-8DF1-49C5-9FC0-B96F23FFCC8B}"/>
+          <p:cNvPr id="99" name="TextBox 98">
+            <a:extLst>
+              <a:ext uri="{FF2B5EF4-FFF2-40B4-BE49-F238E27FC236}">
+                <a16:creationId xmlns:a16="http://schemas.microsoft.com/office/drawing/2014/main" id="{A2CBEA4F-398E-4E19-BB21-DC574A195253}"/>
+              </a:ext>
+            </a:extLst>
+          </p:cNvPr>
+          <p:cNvSpPr txBox="1"/>
+          <p:nvPr/>
+        </p:nvSpPr>
+        <p:spPr>
+          <a:xfrm>
+            <a:off x="8769727" y="143291"/>
+            <a:ext cx="3369916" cy="830997"/>
+          </a:xfrm>
+          <a:prstGeom prst="rect">
+            <a:avLst/>
+          </a:prstGeom>
+          <a:noFill/>
+        </p:spPr>
+        <p:txBody>
+          <a:bodyPr wrap="square" rtlCol="0">
+            <a:spAutoFit/>
+          </a:bodyPr>
+          <a:lstStyle/>
+          <a:p>
+            <a:r>
+              <a:rPr lang="en-US" sz="800" dirty="0"/>
+              <a:t>Chef automation VM will run in Azure Cloud. It will run the tools Vagrant and Kitchen to create both Primary Game and Co-op game clusters.</a:t>
+            </a:r>
+          </a:p>
+          <a:p>
+            <a:endParaRPr lang="en-US" sz="800" dirty="0"/>
+          </a:p>
+          <a:p>
+            <a:r>
+              <a:rPr lang="en-US" sz="800" dirty="0"/>
+              <a:t>Each Primary Game Cluster will be able to support </a:t>
+            </a:r>
+            <a:r>
+              <a:rPr lang="en-US" sz="800" dirty="0">
+                <a:solidFill>
+                  <a:srgbClr val="C00000"/>
+                </a:solidFill>
+              </a:rPr>
+              <a:t>40,000</a:t>
+            </a:r>
+            <a:r>
+              <a:rPr lang="en-US" sz="800" dirty="0"/>
+              <a:t> users</a:t>
+            </a:r>
+          </a:p>
+          <a:p>
+            <a:r>
+              <a:rPr lang="en-US" sz="800" dirty="0"/>
+              <a:t>Each Co-op Game Cluster will be able to support </a:t>
+            </a:r>
+            <a:r>
+              <a:rPr lang="en-US" sz="800" dirty="0">
+                <a:solidFill>
+                  <a:srgbClr val="C00000"/>
+                </a:solidFill>
+              </a:rPr>
+              <a:t>20,000</a:t>
+            </a:r>
+            <a:r>
+              <a:rPr lang="en-US" sz="800" dirty="0"/>
+              <a:t> users</a:t>
+            </a:r>
+          </a:p>
+          <a:p>
+            <a:endParaRPr lang="en-US" sz="800" dirty="0"/>
+          </a:p>
+        </p:txBody>
+      </p:sp>
+      <p:sp>
+        <p:nvSpPr>
+          <p:cNvPr id="101" name="Speech Bubble: Rectangle 100">
+            <a:extLst>
+              <a:ext uri="{FF2B5EF4-FFF2-40B4-BE49-F238E27FC236}">
+                <a16:creationId xmlns:a16="http://schemas.microsoft.com/office/drawing/2014/main" id="{8007F843-DC0B-4B34-9D3D-CC2A004E2AAF}"/>
               </a:ext>
             </a:extLst>
           </p:cNvPr>
@@ -4823,7 +4865,7 @@
         </p:nvSpPr>
         <p:spPr>
           <a:xfrm>
-            <a:off x="8568060" y="195996"/>
+            <a:off x="8568059" y="1070367"/>
             <a:ext cx="123497" cy="118374"/>
           </a:xfrm>
           <a:prstGeom prst="wedgeRectCallout">
@@ -4853,17 +4895,17 @@
             <a:pPr algn="ctr"/>
             <a:r>
               <a:rPr lang="en-US" sz="1000" dirty="0"/>
-              <a:t>1</a:t>
-            </a:r>
-          </a:p>
-        </p:txBody>
-      </p:sp>
-      <p:sp>
-        <p:nvSpPr>
-          <p:cNvPr id="99" name="TextBox 98">
-            <a:extLst>
-              <a:ext uri="{FF2B5EF4-FFF2-40B4-BE49-F238E27FC236}">
-                <a16:creationId xmlns:a16="http://schemas.microsoft.com/office/drawing/2014/main" id="{A2CBEA4F-398E-4E19-BB21-DC574A195253}"/>
+              <a:t>2</a:t>
+            </a:r>
+          </a:p>
+        </p:txBody>
+      </p:sp>
+      <p:sp>
+        <p:nvSpPr>
+          <p:cNvPr id="102" name="TextBox 101">
+            <a:extLst>
+              <a:ext uri="{FF2B5EF4-FFF2-40B4-BE49-F238E27FC236}">
+                <a16:creationId xmlns:a16="http://schemas.microsoft.com/office/drawing/2014/main" id="{105D7452-0600-41DC-A2AC-2ADDD0289F4E}"/>
               </a:ext>
             </a:extLst>
           </p:cNvPr>
@@ -4872,8 +4914,8 @@
         </p:nvSpPr>
         <p:spPr>
           <a:xfrm>
-            <a:off x="8769727" y="143291"/>
-            <a:ext cx="3369916" cy="830997"/>
+            <a:off x="2058206" y="3016161"/>
+            <a:ext cx="1246322" cy="215444"/>
           </a:xfrm>
           <a:prstGeom prst="rect">
             <a:avLst/>
@@ -4888,16 +4930,120 @@
           <a:p>
             <a:r>
               <a:rPr lang="en-US" sz="800" dirty="0"/>
-              <a:t>Chef automation VM will run in Azure Cloud. It will run the tools Vagrant and Kitchen to accomplish both Primary Game and Co-op game cluster creations.</a:t>
-            </a:r>
-          </a:p>
-          <a:p>
-            <a:endParaRPr lang="en-US" sz="800" dirty="0"/>
-          </a:p>
+              <a:t>Primary Game Cluster 1</a:t>
+            </a:r>
+          </a:p>
+        </p:txBody>
+      </p:sp>
+      <p:sp>
+        <p:nvSpPr>
+          <p:cNvPr id="104" name="TextBox 103">
+            <a:extLst>
+              <a:ext uri="{FF2B5EF4-FFF2-40B4-BE49-F238E27FC236}">
+                <a16:creationId xmlns:a16="http://schemas.microsoft.com/office/drawing/2014/main" id="{DE951F4B-DBB9-4562-8752-7B14500C18EE}"/>
+              </a:ext>
+            </a:extLst>
+          </p:cNvPr>
+          <p:cNvSpPr txBox="1"/>
+          <p:nvPr/>
+        </p:nvSpPr>
+        <p:spPr>
+          <a:xfrm>
+            <a:off x="2148725" y="4250058"/>
+            <a:ext cx="1246322" cy="215444"/>
+          </a:xfrm>
+          <a:prstGeom prst="rect">
+            <a:avLst/>
+          </a:prstGeom>
+          <a:noFill/>
+        </p:spPr>
+        <p:txBody>
+          <a:bodyPr wrap="square" rtlCol="0">
+            <a:spAutoFit/>
+          </a:bodyPr>
+          <a:lstStyle/>
           <a:p>
             <a:r>
               <a:rPr lang="en-US" sz="800" dirty="0"/>
-              <a:t>Each Primary Game Cluster will be able to support </a:t>
+              <a:t>Primary Game Cluster 2</a:t>
+            </a:r>
+          </a:p>
+        </p:txBody>
+      </p:sp>
+      <p:sp>
+        <p:nvSpPr>
+          <p:cNvPr id="106" name="TextBox 105">
+            <a:extLst>
+              <a:ext uri="{FF2B5EF4-FFF2-40B4-BE49-F238E27FC236}">
+                <a16:creationId xmlns:a16="http://schemas.microsoft.com/office/drawing/2014/main" id="{AE0AAB76-1884-4E9D-A820-98C379CCCF7A}"/>
+              </a:ext>
+            </a:extLst>
+          </p:cNvPr>
+          <p:cNvSpPr txBox="1"/>
+          <p:nvPr/>
+        </p:nvSpPr>
+        <p:spPr>
+          <a:xfrm>
+            <a:off x="5700933" y="2986196"/>
+            <a:ext cx="1246322" cy="215444"/>
+          </a:xfrm>
+          <a:prstGeom prst="rect">
+            <a:avLst/>
+          </a:prstGeom>
+          <a:noFill/>
+        </p:spPr>
+        <p:txBody>
+          <a:bodyPr wrap="square" rtlCol="0">
+            <a:spAutoFit/>
+          </a:bodyPr>
+          <a:lstStyle/>
+          <a:p>
+            <a:r>
+              <a:rPr lang="en-US" sz="800" dirty="0"/>
+              <a:t>Co-op Game Cluster 1</a:t>
+            </a:r>
+          </a:p>
+        </p:txBody>
+      </p:sp>
+      <p:sp>
+        <p:nvSpPr>
+          <p:cNvPr id="107" name="TextBox 106">
+            <a:extLst>
+              <a:ext uri="{FF2B5EF4-FFF2-40B4-BE49-F238E27FC236}">
+                <a16:creationId xmlns:a16="http://schemas.microsoft.com/office/drawing/2014/main" id="{5878E5EF-F11C-4D35-8CF6-12F318A9412A}"/>
+              </a:ext>
+            </a:extLst>
+          </p:cNvPr>
+          <p:cNvSpPr txBox="1"/>
+          <p:nvPr/>
+        </p:nvSpPr>
+        <p:spPr>
+          <a:xfrm>
+            <a:off x="8769727" y="955996"/>
+            <a:ext cx="3430878" cy="830997"/>
+          </a:xfrm>
+          <a:prstGeom prst="rect">
+            <a:avLst/>
+          </a:prstGeom>
+          <a:noFill/>
+        </p:spPr>
+        <p:txBody>
+          <a:bodyPr wrap="square" rtlCol="0">
+            <a:spAutoFit/>
+          </a:bodyPr>
+          <a:lstStyle/>
+          <a:p>
+            <a:r>
+              <a:rPr lang="en-US" sz="800" dirty="0"/>
+              <a:t>During initial setup, </a:t>
+            </a:r>
+            <a:r>
+              <a:rPr lang="en-US" sz="800" dirty="0" err="1">
+                <a:solidFill>
+                  <a:srgbClr val="C00000"/>
+                </a:solidFill>
+              </a:rPr>
+              <a:t>kitchen.yml</a:t>
             </a:r>
             <a:r>
               <a:rPr lang="en-US" sz="800" dirty="0">
@@ -4905,42 +5051,50 @@
                   <a:srgbClr val="C00000"/>
                 </a:solidFill>
               </a:rPr>
-              <a:t>40,000</a:t>
+              <a:t> </a:t>
             </a:r>
             <a:r>
               <a:rPr lang="en-US" sz="800" dirty="0"/>
-              <a:t> users</a:t>
-            </a:r>
+              <a:t>script will deploy Primary Game Cluster 1 and Co-op Game Cluster 1</a:t>
+            </a:r>
+          </a:p>
+          <a:p>
+            <a:endParaRPr lang="en-US" sz="800" dirty="0"/>
           </a:p>
           <a:p>
             <a:r>
               <a:rPr lang="en-US" sz="800" dirty="0"/>
-              <a:t>Each Co-op Game Cluster will be able to support </a:t>
-            </a:r>
-            <a:r>
-              <a:rPr lang="en-US" sz="800" dirty="0">
+              <a:t>Commands used to deploy clusters</a:t>
+            </a:r>
+          </a:p>
+          <a:p>
+            <a:r>
+              <a:rPr lang="en-US" sz="800" i="1" dirty="0">
                 <a:solidFill>
                   <a:srgbClr val="C00000"/>
                 </a:solidFill>
               </a:rPr>
-              <a:t>20,000</a:t>
-            </a:r>
-            <a:r>
-              <a:rPr lang="en-US" sz="800" dirty="0"/>
-              <a:t> users</a:t>
-            </a:r>
-          </a:p>
-          <a:p>
-            <a:endParaRPr lang="en-US" sz="800" dirty="0"/>
-          </a:p>
-        </p:txBody>
-      </p:sp>
-      <p:sp>
-        <p:nvSpPr>
-          <p:cNvPr id="101" name="Speech Bubble: Rectangle 100">
-            <a:extLst>
-              <a:ext uri="{FF2B5EF4-FFF2-40B4-BE49-F238E27FC236}">
-                <a16:creationId xmlns:a16="http://schemas.microsoft.com/office/drawing/2014/main" id="{8007F843-DC0B-4B34-9D3D-CC2A004E2AAF}"/>
+              <a:t>Kitchen create</a:t>
+            </a:r>
+          </a:p>
+          <a:p>
+            <a:r>
+              <a:rPr lang="en-US" sz="800" i="1" dirty="0">
+                <a:solidFill>
+                  <a:srgbClr val="C00000"/>
+                </a:solidFill>
+              </a:rPr>
+              <a:t>Kitchen converge</a:t>
+            </a:r>
+          </a:p>
+        </p:txBody>
+      </p:sp>
+      <p:sp>
+        <p:nvSpPr>
+          <p:cNvPr id="109" name="Speech Bubble: Rectangle 108">
+            <a:extLst>
+              <a:ext uri="{FF2B5EF4-FFF2-40B4-BE49-F238E27FC236}">
+                <a16:creationId xmlns:a16="http://schemas.microsoft.com/office/drawing/2014/main" id="{84CD57F2-EDDE-4657-A9C3-7A10CE50D4AB}"/>
               </a:ext>
             </a:extLst>
           </p:cNvPr>
@@ -4949,7 +5103,7 @@
         </p:nvSpPr>
         <p:spPr>
           <a:xfrm>
-            <a:off x="8568059" y="1070367"/>
+            <a:off x="2623089" y="2884895"/>
             <a:ext cx="123497" cy="118374"/>
           </a:xfrm>
           <a:prstGeom prst="wedgeRectCallout">
@@ -4986,199 +5140,10 @@
       </p:sp>
       <p:sp>
         <p:nvSpPr>
-          <p:cNvPr id="102" name="TextBox 101">
-            <a:extLst>
-              <a:ext uri="{FF2B5EF4-FFF2-40B4-BE49-F238E27FC236}">
-                <a16:creationId xmlns:a16="http://schemas.microsoft.com/office/drawing/2014/main" id="{105D7452-0600-41DC-A2AC-2ADDD0289F4E}"/>
-              </a:ext>
-            </a:extLst>
-          </p:cNvPr>
-          <p:cNvSpPr txBox="1"/>
-          <p:nvPr/>
-        </p:nvSpPr>
-        <p:spPr>
-          <a:xfrm>
-            <a:off x="2008200" y="1503048"/>
-            <a:ext cx="1246322" cy="215444"/>
-          </a:xfrm>
-          <a:prstGeom prst="rect">
-            <a:avLst/>
-          </a:prstGeom>
-          <a:noFill/>
-        </p:spPr>
-        <p:txBody>
-          <a:bodyPr wrap="square" rtlCol="0">
-            <a:spAutoFit/>
-          </a:bodyPr>
-          <a:lstStyle/>
-          <a:p>
-            <a:r>
-              <a:rPr lang="en-US" sz="800" dirty="0"/>
-              <a:t>Primary Game Cluster 1</a:t>
-            </a:r>
-          </a:p>
-        </p:txBody>
-      </p:sp>
-      <p:sp>
-        <p:nvSpPr>
-          <p:cNvPr id="104" name="TextBox 103">
-            <a:extLst>
-              <a:ext uri="{FF2B5EF4-FFF2-40B4-BE49-F238E27FC236}">
-                <a16:creationId xmlns:a16="http://schemas.microsoft.com/office/drawing/2014/main" id="{DE951F4B-DBB9-4562-8752-7B14500C18EE}"/>
-              </a:ext>
-            </a:extLst>
-          </p:cNvPr>
-          <p:cNvSpPr txBox="1"/>
-          <p:nvPr/>
-        </p:nvSpPr>
-        <p:spPr>
-          <a:xfrm>
-            <a:off x="2098719" y="2736945"/>
-            <a:ext cx="1246322" cy="215444"/>
-          </a:xfrm>
-          <a:prstGeom prst="rect">
-            <a:avLst/>
-          </a:prstGeom>
-          <a:noFill/>
-        </p:spPr>
-        <p:txBody>
-          <a:bodyPr wrap="square" rtlCol="0">
-            <a:spAutoFit/>
-          </a:bodyPr>
-          <a:lstStyle/>
-          <a:p>
-            <a:r>
-              <a:rPr lang="en-US" sz="800" dirty="0"/>
-              <a:t>Primary Game Cluster 2</a:t>
-            </a:r>
-          </a:p>
-        </p:txBody>
-      </p:sp>
-      <p:sp>
-        <p:nvSpPr>
-          <p:cNvPr id="106" name="TextBox 105">
-            <a:extLst>
-              <a:ext uri="{FF2B5EF4-FFF2-40B4-BE49-F238E27FC236}">
-                <a16:creationId xmlns:a16="http://schemas.microsoft.com/office/drawing/2014/main" id="{AE0AAB76-1884-4E9D-A820-98C379CCCF7A}"/>
-              </a:ext>
-            </a:extLst>
-          </p:cNvPr>
-          <p:cNvSpPr txBox="1"/>
-          <p:nvPr/>
-        </p:nvSpPr>
-        <p:spPr>
-          <a:xfrm>
-            <a:off x="5650927" y="1473083"/>
-            <a:ext cx="1246322" cy="215444"/>
-          </a:xfrm>
-          <a:prstGeom prst="rect">
-            <a:avLst/>
-          </a:prstGeom>
-          <a:noFill/>
-        </p:spPr>
-        <p:txBody>
-          <a:bodyPr wrap="square" rtlCol="0">
-            <a:spAutoFit/>
-          </a:bodyPr>
-          <a:lstStyle/>
-          <a:p>
-            <a:r>
-              <a:rPr lang="en-US" sz="800" dirty="0"/>
-              <a:t>Co-op Game Cluster 1</a:t>
-            </a:r>
-          </a:p>
-        </p:txBody>
-      </p:sp>
-      <p:sp>
-        <p:nvSpPr>
-          <p:cNvPr id="107" name="TextBox 106">
-            <a:extLst>
-              <a:ext uri="{FF2B5EF4-FFF2-40B4-BE49-F238E27FC236}">
-                <a16:creationId xmlns:a16="http://schemas.microsoft.com/office/drawing/2014/main" id="{5878E5EF-F11C-4D35-8CF6-12F318A9412A}"/>
-              </a:ext>
-            </a:extLst>
-          </p:cNvPr>
-          <p:cNvSpPr txBox="1"/>
-          <p:nvPr/>
-        </p:nvSpPr>
-        <p:spPr>
-          <a:xfrm>
-            <a:off x="8769727" y="955996"/>
-            <a:ext cx="3430878" cy="830997"/>
-          </a:xfrm>
-          <a:prstGeom prst="rect">
-            <a:avLst/>
-          </a:prstGeom>
-          <a:noFill/>
-        </p:spPr>
-        <p:txBody>
-          <a:bodyPr wrap="square" rtlCol="0">
-            <a:spAutoFit/>
-          </a:bodyPr>
-          <a:lstStyle/>
-          <a:p>
-            <a:r>
-              <a:rPr lang="en-US" sz="800" dirty="0"/>
-              <a:t>During initial setup, </a:t>
-            </a:r>
-            <a:r>
-              <a:rPr lang="en-US" sz="800" dirty="0" err="1">
-                <a:solidFill>
-                  <a:srgbClr val="C00000"/>
-                </a:solidFill>
-              </a:rPr>
-              <a:t>kitchen.yml</a:t>
-            </a:r>
-            <a:r>
-              <a:rPr lang="en-US" sz="800" dirty="0">
-                <a:solidFill>
-                  <a:srgbClr val="C00000"/>
-                </a:solidFill>
-              </a:rPr>
-              <a:t> </a:t>
-            </a:r>
-            <a:r>
-              <a:rPr lang="en-US" sz="800" dirty="0"/>
-              <a:t>script will deploy Primary Game Cluster 1 and Co-op Game Cluster 1</a:t>
-            </a:r>
-          </a:p>
-          <a:p>
-            <a:endParaRPr lang="en-US" sz="800" dirty="0"/>
-          </a:p>
-          <a:p>
-            <a:r>
-              <a:rPr lang="en-US" sz="800" dirty="0"/>
-              <a:t>Commands used to deploy clusters</a:t>
-            </a:r>
-          </a:p>
-          <a:p>
-            <a:r>
-              <a:rPr lang="en-US" sz="800" i="1" dirty="0">
-                <a:solidFill>
-                  <a:srgbClr val="C00000"/>
-                </a:solidFill>
-              </a:rPr>
-              <a:t>Kitchen create</a:t>
-            </a:r>
-          </a:p>
-          <a:p>
-            <a:r>
-              <a:rPr lang="en-US" sz="800" i="1" dirty="0">
-                <a:solidFill>
-                  <a:srgbClr val="C00000"/>
-                </a:solidFill>
-              </a:rPr>
-              <a:t>Kitchen converge</a:t>
-            </a:r>
-          </a:p>
-        </p:txBody>
-      </p:sp>
-      <p:sp>
-        <p:nvSpPr>
-          <p:cNvPr id="109" name="Speech Bubble: Rectangle 108">
-            <a:extLst>
-              <a:ext uri="{FF2B5EF4-FFF2-40B4-BE49-F238E27FC236}">
-                <a16:creationId xmlns:a16="http://schemas.microsoft.com/office/drawing/2014/main" id="{84CD57F2-EDDE-4657-A9C3-7A10CE50D4AB}"/>
+          <p:cNvPr id="111" name="Speech Bubble: Rectangle 110">
+            <a:extLst>
+              <a:ext uri="{FF2B5EF4-FFF2-40B4-BE49-F238E27FC236}">
+                <a16:creationId xmlns:a16="http://schemas.microsoft.com/office/drawing/2014/main" id="{190A30A1-D0EE-4C64-ADFD-6EA4130A2B4B}"/>
               </a:ext>
             </a:extLst>
           </p:cNvPr>
@@ -5187,7 +5152,7 @@
         </p:nvSpPr>
         <p:spPr>
           <a:xfrm>
-            <a:off x="2573083" y="1371782"/>
+            <a:off x="6225636" y="2854181"/>
             <a:ext cx="123497" cy="118374"/>
           </a:xfrm>
           <a:prstGeom prst="wedgeRectCallout">
@@ -5224,10 +5189,10 @@
       </p:sp>
       <p:sp>
         <p:nvSpPr>
-          <p:cNvPr id="111" name="Speech Bubble: Rectangle 110">
-            <a:extLst>
-              <a:ext uri="{FF2B5EF4-FFF2-40B4-BE49-F238E27FC236}">
-                <a16:creationId xmlns:a16="http://schemas.microsoft.com/office/drawing/2014/main" id="{190A30A1-D0EE-4C64-ADFD-6EA4130A2B4B}"/>
+          <p:cNvPr id="113" name="Speech Bubble: Rectangle 112">
+            <a:extLst>
+              <a:ext uri="{FF2B5EF4-FFF2-40B4-BE49-F238E27FC236}">
+                <a16:creationId xmlns:a16="http://schemas.microsoft.com/office/drawing/2014/main" id="{C936857A-B755-4D01-98FA-78C9F9B6F820}"/>
               </a:ext>
             </a:extLst>
           </p:cNvPr>
@@ -5236,7 +5201,7 @@
         </p:nvSpPr>
         <p:spPr>
           <a:xfrm>
-            <a:off x="6175630" y="1341068"/>
+            <a:off x="8568056" y="1977644"/>
             <a:ext cx="123497" cy="118374"/>
           </a:xfrm>
           <a:prstGeom prst="wedgeRectCallout">
@@ -5266,17 +5231,71 @@
             <a:pPr algn="ctr"/>
             <a:r>
               <a:rPr lang="en-US" sz="1000" dirty="0"/>
-              <a:t>2</a:t>
-            </a:r>
-          </a:p>
-        </p:txBody>
-      </p:sp>
-      <p:sp>
-        <p:nvSpPr>
-          <p:cNvPr id="113" name="Speech Bubble: Rectangle 112">
-            <a:extLst>
-              <a:ext uri="{FF2B5EF4-FFF2-40B4-BE49-F238E27FC236}">
-                <a16:creationId xmlns:a16="http://schemas.microsoft.com/office/drawing/2014/main" id="{C936857A-B755-4D01-98FA-78C9F9B6F820}"/>
+              <a:t>3</a:t>
+            </a:r>
+          </a:p>
+        </p:txBody>
+      </p:sp>
+      <p:sp>
+        <p:nvSpPr>
+          <p:cNvPr id="114" name="TextBox 113">
+            <a:extLst>
+              <a:ext uri="{FF2B5EF4-FFF2-40B4-BE49-F238E27FC236}">
+                <a16:creationId xmlns:a16="http://schemas.microsoft.com/office/drawing/2014/main" id="{1EE95FE5-DFF2-413E-908C-F1C325A7312C}"/>
+              </a:ext>
+            </a:extLst>
+          </p:cNvPr>
+          <p:cNvSpPr txBox="1"/>
+          <p:nvPr/>
+        </p:nvSpPr>
+        <p:spPr>
+          <a:xfrm>
+            <a:off x="8761123" y="1883214"/>
+            <a:ext cx="3271519" cy="830997"/>
+          </a:xfrm>
+          <a:prstGeom prst="rect">
+            <a:avLst/>
+          </a:prstGeom>
+          <a:noFill/>
+        </p:spPr>
+        <p:txBody>
+          <a:bodyPr wrap="square" rtlCol="0">
+            <a:spAutoFit/>
+          </a:bodyPr>
+          <a:lstStyle/>
+          <a:p>
+            <a:r>
+              <a:rPr lang="en-US" sz="800" dirty="0"/>
+              <a:t>The automation VM will monitor the load balancer and once it detects  active player count is greater than 30,000 users on the Primary game cluster an additional Primary Game Cluster will be created.</a:t>
+            </a:r>
+          </a:p>
+          <a:p>
+            <a:endParaRPr lang="en-US" sz="800" dirty="0"/>
+          </a:p>
+          <a:p>
+            <a:r>
+              <a:rPr lang="en-US" sz="800" dirty="0"/>
+              <a:t>Commands used to deploy additional clusters</a:t>
+            </a:r>
+          </a:p>
+          <a:p>
+            <a:r>
+              <a:rPr lang="en-US" sz="800" i="1" dirty="0">
+                <a:solidFill>
+                  <a:srgbClr val="C00000"/>
+                </a:solidFill>
+              </a:rPr>
+              <a:t>Kitchen converge</a:t>
+            </a:r>
+          </a:p>
+        </p:txBody>
+      </p:sp>
+      <p:sp>
+        <p:nvSpPr>
+          <p:cNvPr id="116" name="Speech Bubble: Rectangle 115">
+            <a:extLst>
+              <a:ext uri="{FF2B5EF4-FFF2-40B4-BE49-F238E27FC236}">
+                <a16:creationId xmlns:a16="http://schemas.microsoft.com/office/drawing/2014/main" id="{C98FC20D-7CA3-4FBE-9D07-21A81B37A385}"/>
               </a:ext>
             </a:extLst>
           </p:cNvPr>
@@ -5285,7 +5304,7 @@
         </p:nvSpPr>
         <p:spPr>
           <a:xfrm>
-            <a:off x="8568056" y="1977644"/>
+            <a:off x="2618409" y="4131684"/>
             <a:ext cx="123497" cy="118374"/>
           </a:xfrm>
           <a:prstGeom prst="wedgeRectCallout">
@@ -5322,45 +5341,10 @@
       </p:sp>
       <p:sp>
         <p:nvSpPr>
-          <p:cNvPr id="114" name="TextBox 113">
-            <a:extLst>
-              <a:ext uri="{FF2B5EF4-FFF2-40B4-BE49-F238E27FC236}">
-                <a16:creationId xmlns:a16="http://schemas.microsoft.com/office/drawing/2014/main" id="{1EE95FE5-DFF2-413E-908C-F1C325A7312C}"/>
-              </a:ext>
-            </a:extLst>
-          </p:cNvPr>
-          <p:cNvSpPr txBox="1"/>
-          <p:nvPr/>
-        </p:nvSpPr>
-        <p:spPr>
-          <a:xfrm>
-            <a:off x="8761123" y="1883214"/>
-            <a:ext cx="3271519" cy="338554"/>
-          </a:xfrm>
-          <a:prstGeom prst="rect">
-            <a:avLst/>
-          </a:prstGeom>
-          <a:noFill/>
-        </p:spPr>
-        <p:txBody>
-          <a:bodyPr wrap="square" rtlCol="0">
-            <a:spAutoFit/>
-          </a:bodyPr>
-          <a:lstStyle/>
-          <a:p>
-            <a:r>
-              <a:rPr lang="en-US" sz="800" dirty="0"/>
-              <a:t>Once the automation VM detects active user count is greater than 30,000 users an additional Primary Game Cluster will be created</a:t>
-            </a:r>
-          </a:p>
-        </p:txBody>
-      </p:sp>
-      <p:sp>
-        <p:nvSpPr>
-          <p:cNvPr id="116" name="Speech Bubble: Rectangle 115">
-            <a:extLst>
-              <a:ext uri="{FF2B5EF4-FFF2-40B4-BE49-F238E27FC236}">
-                <a16:creationId xmlns:a16="http://schemas.microsoft.com/office/drawing/2014/main" id="{C98FC20D-7CA3-4FBE-9D07-21A81B37A385}"/>
+          <p:cNvPr id="118" name="Speech Bubble: Rectangle 117">
+            <a:extLst>
+              <a:ext uri="{FF2B5EF4-FFF2-40B4-BE49-F238E27FC236}">
+                <a16:creationId xmlns:a16="http://schemas.microsoft.com/office/drawing/2014/main" id="{86AB4BEE-9447-455F-B931-65D08A7735BD}"/>
               </a:ext>
             </a:extLst>
           </p:cNvPr>
@@ -5369,7 +5353,7 @@
         </p:nvSpPr>
         <p:spPr>
           <a:xfrm>
-            <a:off x="2568403" y="2618571"/>
+            <a:off x="8568056" y="3638525"/>
             <a:ext cx="123497" cy="118374"/>
           </a:xfrm>
           <a:prstGeom prst="wedgeRectCallout">
@@ -5399,17 +5383,98 @@
             <a:pPr algn="ctr"/>
             <a:r>
               <a:rPr lang="en-US" sz="1000" dirty="0"/>
-              <a:t>3</a:t>
-            </a:r>
-          </a:p>
-        </p:txBody>
-      </p:sp>
-      <p:sp>
-        <p:nvSpPr>
-          <p:cNvPr id="118" name="Speech Bubble: Rectangle 117">
-            <a:extLst>
-              <a:ext uri="{FF2B5EF4-FFF2-40B4-BE49-F238E27FC236}">
-                <a16:creationId xmlns:a16="http://schemas.microsoft.com/office/drawing/2014/main" id="{86AB4BEE-9447-455F-B931-65D08A7735BD}"/>
+              <a:t>5</a:t>
+            </a:r>
+          </a:p>
+        </p:txBody>
+      </p:sp>
+      <p:sp>
+        <p:nvSpPr>
+          <p:cNvPr id="119" name="TextBox 118">
+            <a:extLst>
+              <a:ext uri="{FF2B5EF4-FFF2-40B4-BE49-F238E27FC236}">
+                <a16:creationId xmlns:a16="http://schemas.microsoft.com/office/drawing/2014/main" id="{994483B9-AE73-4C4A-899C-1A8FED9619AA}"/>
+              </a:ext>
+            </a:extLst>
+          </p:cNvPr>
+          <p:cNvSpPr txBox="1"/>
+          <p:nvPr/>
+        </p:nvSpPr>
+        <p:spPr>
+          <a:xfrm>
+            <a:off x="8769724" y="3501709"/>
+            <a:ext cx="3301999" cy="584775"/>
+          </a:xfrm>
+          <a:prstGeom prst="rect">
+            <a:avLst/>
+          </a:prstGeom>
+          <a:noFill/>
+        </p:spPr>
+        <p:txBody>
+          <a:bodyPr wrap="square" rtlCol="0">
+            <a:spAutoFit/>
+          </a:bodyPr>
+          <a:lstStyle/>
+          <a:p>
+            <a:r>
+              <a:rPr lang="en-US" sz="800" dirty="0"/>
+              <a:t>The </a:t>
+            </a:r>
+            <a:r>
+              <a:rPr lang="en-US" sz="800" dirty="0" err="1"/>
+              <a:t>kitchen.yml</a:t>
+            </a:r>
+            <a:r>
+              <a:rPr lang="en-US" sz="800" dirty="0"/>
+              <a:t> script along side the follow commands will be used to remove and list the remaining VM devices</a:t>
+            </a:r>
+          </a:p>
+          <a:p>
+            <a:r>
+              <a:rPr lang="en-US" sz="800" dirty="0">
+                <a:solidFill>
+                  <a:srgbClr val="C00000"/>
+                </a:solidFill>
+              </a:rPr>
+              <a:t>kitchen destroy </a:t>
+            </a:r>
+            <a:r>
+              <a:rPr lang="en-US" sz="800" dirty="0"/>
+              <a:t> - remove VM’s</a:t>
+            </a:r>
+            <a:endParaRPr lang="en-US" sz="800" dirty="0">
+              <a:solidFill>
+                <a:srgbClr val="C00000"/>
+              </a:solidFill>
+            </a:endParaRPr>
+          </a:p>
+          <a:p>
+            <a:r>
+              <a:rPr lang="en-US" sz="800" dirty="0">
+                <a:solidFill>
+                  <a:srgbClr val="C00000"/>
+                </a:solidFill>
+              </a:rPr>
+              <a:t>Kitchen list </a:t>
+            </a:r>
+            <a:r>
+              <a:rPr lang="en-US" sz="800" dirty="0"/>
+              <a:t>- list VM’s</a:t>
+            </a:r>
+            <a:endParaRPr lang="en-US" sz="800" dirty="0">
+              <a:solidFill>
+                <a:srgbClr val="C00000"/>
+              </a:solidFill>
+            </a:endParaRPr>
+          </a:p>
+        </p:txBody>
+      </p:sp>
+      <p:sp>
+        <p:nvSpPr>
+          <p:cNvPr id="121" name="Speech Bubble: Rectangle 120">
+            <a:extLst>
+              <a:ext uri="{FF2B5EF4-FFF2-40B4-BE49-F238E27FC236}">
+                <a16:creationId xmlns:a16="http://schemas.microsoft.com/office/drawing/2014/main" id="{EC92AFC7-475F-4683-9808-23082A51136E}"/>
               </a:ext>
             </a:extLst>
           </p:cNvPr>
@@ -5418,7 +5483,7 @@
         </p:nvSpPr>
         <p:spPr>
           <a:xfrm>
-            <a:off x="8568059" y="2559384"/>
+            <a:off x="8568056" y="4220391"/>
             <a:ext cx="123497" cy="118374"/>
           </a:xfrm>
           <a:prstGeom prst="wedgeRectCallout">
@@ -5448,98 +5513,17 @@
             <a:pPr algn="ctr"/>
             <a:r>
               <a:rPr lang="en-US" sz="1000" dirty="0"/>
-              <a:t>4</a:t>
-            </a:r>
-          </a:p>
-        </p:txBody>
-      </p:sp>
-      <p:sp>
-        <p:nvSpPr>
-          <p:cNvPr id="119" name="TextBox 118">
-            <a:extLst>
-              <a:ext uri="{FF2B5EF4-FFF2-40B4-BE49-F238E27FC236}">
-                <a16:creationId xmlns:a16="http://schemas.microsoft.com/office/drawing/2014/main" id="{994483B9-AE73-4C4A-899C-1A8FED9619AA}"/>
-              </a:ext>
-            </a:extLst>
-          </p:cNvPr>
-          <p:cNvSpPr txBox="1"/>
-          <p:nvPr/>
-        </p:nvSpPr>
-        <p:spPr>
-          <a:xfrm>
-            <a:off x="8769727" y="2477083"/>
-            <a:ext cx="3301999" cy="584775"/>
-          </a:xfrm>
-          <a:prstGeom prst="rect">
-            <a:avLst/>
-          </a:prstGeom>
-          <a:noFill/>
-        </p:spPr>
-        <p:txBody>
-          <a:bodyPr wrap="square" rtlCol="0">
-            <a:spAutoFit/>
-          </a:bodyPr>
-          <a:lstStyle/>
-          <a:p>
-            <a:r>
-              <a:rPr lang="en-US" sz="800" dirty="0"/>
-              <a:t>The </a:t>
-            </a:r>
-            <a:r>
-              <a:rPr lang="en-US" sz="800" dirty="0" err="1"/>
-              <a:t>kitchen.yml</a:t>
-            </a:r>
-            <a:r>
-              <a:rPr lang="en-US" sz="800" dirty="0"/>
-              <a:t> script along side the follow commands will be used to remove and list the remaining VM devices</a:t>
-            </a:r>
-          </a:p>
-          <a:p>
-            <a:r>
-              <a:rPr lang="en-US" sz="800" dirty="0">
-                <a:solidFill>
-                  <a:srgbClr val="C00000"/>
-                </a:solidFill>
-              </a:rPr>
-              <a:t>kitchen destroy </a:t>
-            </a:r>
-            <a:r>
-              <a:rPr lang="en-US" sz="800" dirty="0"/>
-              <a:t> - remove VM’s</a:t>
-            </a:r>
-            <a:endParaRPr lang="en-US" sz="800" dirty="0">
-              <a:solidFill>
-                <a:srgbClr val="C00000"/>
-              </a:solidFill>
-            </a:endParaRPr>
-          </a:p>
-          <a:p>
-            <a:r>
-              <a:rPr lang="en-US" sz="800" dirty="0">
-                <a:solidFill>
-                  <a:srgbClr val="C00000"/>
-                </a:solidFill>
-              </a:rPr>
-              <a:t>Kitchen list </a:t>
-            </a:r>
-            <a:r>
-              <a:rPr lang="en-US" sz="800" dirty="0"/>
-              <a:t>- list VM’s</a:t>
-            </a:r>
-            <a:endParaRPr lang="en-US" sz="800" dirty="0">
-              <a:solidFill>
-                <a:srgbClr val="C00000"/>
-              </a:solidFill>
-            </a:endParaRPr>
-          </a:p>
-        </p:txBody>
-      </p:sp>
-      <p:sp>
-        <p:nvSpPr>
-          <p:cNvPr id="121" name="Speech Bubble: Rectangle 120">
-            <a:extLst>
-              <a:ext uri="{FF2B5EF4-FFF2-40B4-BE49-F238E27FC236}">
-                <a16:creationId xmlns:a16="http://schemas.microsoft.com/office/drawing/2014/main" id="{EC92AFC7-475F-4683-9808-23082A51136E}"/>
+              <a:t>6</a:t>
+            </a:r>
+          </a:p>
+        </p:txBody>
+      </p:sp>
+      <p:sp>
+        <p:nvSpPr>
+          <p:cNvPr id="123" name="Speech Bubble: Rectangle 122">
+            <a:extLst>
+              <a:ext uri="{FF2B5EF4-FFF2-40B4-BE49-F238E27FC236}">
+                <a16:creationId xmlns:a16="http://schemas.microsoft.com/office/drawing/2014/main" id="{FF46C78F-424E-4575-A3A4-660B00B16F32}"/>
               </a:ext>
             </a:extLst>
           </p:cNvPr>
@@ -5548,7 +5532,7 @@
         </p:nvSpPr>
         <p:spPr>
           <a:xfrm>
-            <a:off x="8568057" y="3310626"/>
+            <a:off x="3343394" y="3113231"/>
             <a:ext cx="123497" cy="118374"/>
           </a:xfrm>
           <a:prstGeom prst="wedgeRectCallout">
@@ -5578,17 +5562,55 @@
             <a:pPr algn="ctr"/>
             <a:r>
               <a:rPr lang="en-US" sz="1000" dirty="0"/>
-              <a:t>5</a:t>
-            </a:r>
-          </a:p>
-        </p:txBody>
-      </p:sp>
-      <p:sp>
-        <p:nvSpPr>
-          <p:cNvPr id="123" name="Speech Bubble: Rectangle 122">
-            <a:extLst>
-              <a:ext uri="{FF2B5EF4-FFF2-40B4-BE49-F238E27FC236}">
-                <a16:creationId xmlns:a16="http://schemas.microsoft.com/office/drawing/2014/main" id="{FF46C78F-424E-4575-A3A4-660B00B16F32}"/>
+              <a:t>6</a:t>
+            </a:r>
+          </a:p>
+        </p:txBody>
+      </p:sp>
+      <p:sp>
+        <p:nvSpPr>
+          <p:cNvPr id="124" name="TextBox 123">
+            <a:extLst>
+              <a:ext uri="{FF2B5EF4-FFF2-40B4-BE49-F238E27FC236}">
+                <a16:creationId xmlns:a16="http://schemas.microsoft.com/office/drawing/2014/main" id="{CC991203-105D-4B64-AAD6-DD5D03FDC482}"/>
+              </a:ext>
+            </a:extLst>
+          </p:cNvPr>
+          <p:cNvSpPr txBox="1"/>
+          <p:nvPr/>
+        </p:nvSpPr>
+        <p:spPr>
+          <a:xfrm>
+            <a:off x="8769726" y="4125550"/>
+            <a:ext cx="3369916" cy="830997"/>
+          </a:xfrm>
+          <a:prstGeom prst="rect">
+            <a:avLst/>
+          </a:prstGeom>
+          <a:noFill/>
+        </p:spPr>
+        <p:txBody>
+          <a:bodyPr wrap="square" rtlCol="0">
+            <a:spAutoFit/>
+          </a:bodyPr>
+          <a:lstStyle/>
+          <a:p>
+            <a:r>
+              <a:rPr lang="en-US" sz="800" dirty="0"/>
+              <a:t>Micropayments will be sent via API using micropayment servers. Players will login to these services with their online app store account. Transaction confirmations will be sent via queue to the game for authorization. If declined,  customers will be given an error notice. All transactions will be logged at //data-currency-CG-2-pAPI/. </a:t>
+            </a:r>
+          </a:p>
+          <a:p>
+            <a:endParaRPr lang="en-US" sz="800" dirty="0"/>
+          </a:p>
+        </p:txBody>
+      </p:sp>
+      <p:sp>
+        <p:nvSpPr>
+          <p:cNvPr id="126" name="Speech Bubble: Rectangle 125">
+            <a:extLst>
+              <a:ext uri="{FF2B5EF4-FFF2-40B4-BE49-F238E27FC236}">
+                <a16:creationId xmlns:a16="http://schemas.microsoft.com/office/drawing/2014/main" id="{24D32448-EDB5-4147-8F35-F2149E8FC4EE}"/>
               </a:ext>
             </a:extLst>
           </p:cNvPr>
@@ -5597,7 +5619,7 @@
         </p:nvSpPr>
         <p:spPr>
           <a:xfrm>
-            <a:off x="3293388" y="1600118"/>
+            <a:off x="8568056" y="2835570"/>
             <a:ext cx="123497" cy="118374"/>
           </a:xfrm>
           <a:prstGeom prst="wedgeRectCallout">
@@ -5627,17 +5649,17 @@
             <a:pPr algn="ctr"/>
             <a:r>
               <a:rPr lang="en-US" sz="1000" dirty="0"/>
-              <a:t>5</a:t>
-            </a:r>
-          </a:p>
-        </p:txBody>
-      </p:sp>
-      <p:sp>
-        <p:nvSpPr>
-          <p:cNvPr id="124" name="TextBox 123">
-            <a:extLst>
-              <a:ext uri="{FF2B5EF4-FFF2-40B4-BE49-F238E27FC236}">
-                <a16:creationId xmlns:a16="http://schemas.microsoft.com/office/drawing/2014/main" id="{CC991203-105D-4B64-AAD6-DD5D03FDC482}"/>
+              <a:t>4</a:t>
+            </a:r>
+          </a:p>
+        </p:txBody>
+      </p:sp>
+      <p:sp>
+        <p:nvSpPr>
+          <p:cNvPr id="127" name="TextBox 126">
+            <a:extLst>
+              <a:ext uri="{FF2B5EF4-FFF2-40B4-BE49-F238E27FC236}">
+                <a16:creationId xmlns:a16="http://schemas.microsoft.com/office/drawing/2014/main" id="{463D4BBF-6D1E-4FE6-9B6B-397C1DD17C63}"/>
               </a:ext>
             </a:extLst>
           </p:cNvPr>
@@ -5646,8 +5668,8 @@
         </p:nvSpPr>
         <p:spPr>
           <a:xfrm>
-            <a:off x="8769727" y="3215785"/>
-            <a:ext cx="3369916" cy="830997"/>
+            <a:off x="8769727" y="2766521"/>
+            <a:ext cx="3369916" cy="707886"/>
           </a:xfrm>
           <a:prstGeom prst="rect">
             <a:avLst/>
@@ -5662,20 +5684,17 @@
           <a:p>
             <a:r>
               <a:rPr lang="en-US" sz="800" dirty="0"/>
-              <a:t>Micropayments will be sent via API using micropayment servers. Players will login to these services with their online app store account. Transaction confirmations will be sent via queue to the game for authorization. If declined,  customers will be given an error notice. All transactions will be logged at //data-currency-CG-2-pAPI/. </a:t>
-            </a:r>
-          </a:p>
-          <a:p>
-            <a:endParaRPr lang="en-US" sz="800" dirty="0"/>
-          </a:p>
-        </p:txBody>
-      </p:sp>
-      <p:sp>
-        <p:nvSpPr>
-          <p:cNvPr id="126" name="Speech Bubble: Rectangle 125">
-            <a:extLst>
-              <a:ext uri="{FF2B5EF4-FFF2-40B4-BE49-F238E27FC236}">
-                <a16:creationId xmlns:a16="http://schemas.microsoft.com/office/drawing/2014/main" id="{24D32448-EDB5-4147-8F35-F2149E8FC4EE}"/>
+              <a:t>Automation VM will monitor the traffic in the load balancer to scale down if there are not greater than 30K players to justify an additional cluster. Load balancers will stop sending traffic to the most recently created cluster and when the server logs indicate there are zero connections on the cluster the the Automation VM will decommission the cluster. </a:t>
+            </a:r>
+          </a:p>
+        </p:txBody>
+      </p:sp>
+      <p:sp>
+        <p:nvSpPr>
+          <p:cNvPr id="130" name="Speech Bubble: Rectangle 129">
+            <a:extLst>
+              <a:ext uri="{FF2B5EF4-FFF2-40B4-BE49-F238E27FC236}">
+                <a16:creationId xmlns:a16="http://schemas.microsoft.com/office/drawing/2014/main" id="{41FBB656-5312-4633-90C6-CB5062970C20}"/>
               </a:ext>
             </a:extLst>
           </p:cNvPr>
@@ -5684,7 +5703,7 @@
         </p:nvSpPr>
         <p:spPr>
           <a:xfrm>
-            <a:off x="8568056" y="4046782"/>
+            <a:off x="6102139" y="1855447"/>
             <a:ext cx="123497" cy="118374"/>
           </a:xfrm>
           <a:prstGeom prst="wedgeRectCallout">
@@ -5714,52 +5733,17 @@
             <a:pPr algn="ctr"/>
             <a:r>
               <a:rPr lang="en-US" sz="1000" dirty="0"/>
-              <a:t>6</a:t>
-            </a:r>
-          </a:p>
-        </p:txBody>
-      </p:sp>
-      <p:sp>
-        <p:nvSpPr>
-          <p:cNvPr id="127" name="TextBox 126">
-            <a:extLst>
-              <a:ext uri="{FF2B5EF4-FFF2-40B4-BE49-F238E27FC236}">
-                <a16:creationId xmlns:a16="http://schemas.microsoft.com/office/drawing/2014/main" id="{463D4BBF-6D1E-4FE6-9B6B-397C1DD17C63}"/>
-              </a:ext>
-            </a:extLst>
-          </p:cNvPr>
-          <p:cNvSpPr txBox="1"/>
-          <p:nvPr/>
-        </p:nvSpPr>
-        <p:spPr>
-          <a:xfrm>
-            <a:off x="8769727" y="3977733"/>
-            <a:ext cx="3369916" cy="584775"/>
-          </a:xfrm>
-          <a:prstGeom prst="rect">
-            <a:avLst/>
-          </a:prstGeom>
-          <a:noFill/>
-        </p:spPr>
-        <p:txBody>
-          <a:bodyPr wrap="square" rtlCol="0">
-            <a:spAutoFit/>
-          </a:bodyPr>
-          <a:lstStyle/>
-          <a:p>
-            <a:r>
-              <a:rPr lang="en-US" sz="800" dirty="0"/>
-              <a:t>Automation VM will monitor the traffic in the load balancer to scale down as well. Load balancers will stop sending traffic to a cluster and when the server logs indicate there are zero connections on the cluster the the Automation VM will decommission the cluster. </a:t>
-            </a:r>
-          </a:p>
-        </p:txBody>
-      </p:sp>
-      <p:sp>
-        <p:nvSpPr>
-          <p:cNvPr id="130" name="Speech Bubble: Rectangle 129">
-            <a:extLst>
-              <a:ext uri="{FF2B5EF4-FFF2-40B4-BE49-F238E27FC236}">
-                <a16:creationId xmlns:a16="http://schemas.microsoft.com/office/drawing/2014/main" id="{41FBB656-5312-4633-90C6-CB5062970C20}"/>
+              <a:t>1</a:t>
+            </a:r>
+          </a:p>
+        </p:txBody>
+      </p:sp>
+      <p:sp>
+        <p:nvSpPr>
+          <p:cNvPr id="132" name="Speech Bubble: Rectangle 131">
+            <a:extLst>
+              <a:ext uri="{FF2B5EF4-FFF2-40B4-BE49-F238E27FC236}">
+                <a16:creationId xmlns:a16="http://schemas.microsoft.com/office/drawing/2014/main" id="{7328E0AA-9B2F-4A34-849A-114BCFDB35CC}"/>
               </a:ext>
             </a:extLst>
           </p:cNvPr>
@@ -5768,7 +5752,7 @@
         </p:nvSpPr>
         <p:spPr>
           <a:xfrm>
-            <a:off x="6052133" y="342334"/>
+            <a:off x="8568058" y="5023757"/>
             <a:ext cx="123497" cy="118374"/>
           </a:xfrm>
           <a:prstGeom prst="wedgeRectCallout">
@@ -5798,17 +5782,52 @@
             <a:pPr algn="ctr"/>
             <a:r>
               <a:rPr lang="en-US" sz="1000" dirty="0"/>
-              <a:t>6</a:t>
-            </a:r>
-          </a:p>
-        </p:txBody>
-      </p:sp>
-      <p:sp>
-        <p:nvSpPr>
-          <p:cNvPr id="132" name="Speech Bubble: Rectangle 131">
-            <a:extLst>
-              <a:ext uri="{FF2B5EF4-FFF2-40B4-BE49-F238E27FC236}">
-                <a16:creationId xmlns:a16="http://schemas.microsoft.com/office/drawing/2014/main" id="{7328E0AA-9B2F-4A34-849A-114BCFDB35CC}"/>
+              <a:t>7</a:t>
+            </a:r>
+          </a:p>
+        </p:txBody>
+      </p:sp>
+      <p:sp>
+        <p:nvSpPr>
+          <p:cNvPr id="134" name="TextBox 133">
+            <a:extLst>
+              <a:ext uri="{FF2B5EF4-FFF2-40B4-BE49-F238E27FC236}">
+                <a16:creationId xmlns:a16="http://schemas.microsoft.com/office/drawing/2014/main" id="{74453F14-66C1-4517-8DB4-81464F87D34D}"/>
+              </a:ext>
+            </a:extLst>
+          </p:cNvPr>
+          <p:cNvSpPr txBox="1"/>
+          <p:nvPr/>
+        </p:nvSpPr>
+        <p:spPr>
+          <a:xfrm>
+            <a:off x="8761123" y="4947557"/>
+            <a:ext cx="3269963" cy="461665"/>
+          </a:xfrm>
+          <a:prstGeom prst="rect">
+            <a:avLst/>
+          </a:prstGeom>
+          <a:noFill/>
+        </p:spPr>
+        <p:txBody>
+          <a:bodyPr wrap="square" rtlCol="0">
+            <a:spAutoFit/>
+          </a:bodyPr>
+          <a:lstStyle/>
+          <a:p>
+            <a:r>
+              <a:rPr lang="en-US" sz="800" dirty="0"/>
+              <a:t>Diagnostic data from the Primary Game Cluster will be written to //data-automation-diagnostic-CG-2-game/. This will include all actions taken by the automation server, including error conditions.</a:t>
+            </a:r>
+          </a:p>
+        </p:txBody>
+      </p:sp>
+      <p:sp>
+        <p:nvSpPr>
+          <p:cNvPr id="136" name="Speech Bubble: Rectangle 135">
+            <a:extLst>
+              <a:ext uri="{FF2B5EF4-FFF2-40B4-BE49-F238E27FC236}">
+                <a16:creationId xmlns:a16="http://schemas.microsoft.com/office/drawing/2014/main" id="{ECD9446B-6520-4F65-B135-D28C33F7B940}"/>
               </a:ext>
             </a:extLst>
           </p:cNvPr>
@@ -5817,7 +5836,7 @@
         </p:nvSpPr>
         <p:spPr>
           <a:xfrm>
-            <a:off x="8568058" y="4716397"/>
+            <a:off x="8568058" y="5579216"/>
             <a:ext cx="123497" cy="118374"/>
           </a:xfrm>
           <a:prstGeom prst="wedgeRectCallout">
@@ -5847,17 +5866,17 @@
             <a:pPr algn="ctr"/>
             <a:r>
               <a:rPr lang="en-US" sz="1000" dirty="0"/>
-              <a:t>7</a:t>
-            </a:r>
-          </a:p>
-        </p:txBody>
-      </p:sp>
-      <p:sp>
-        <p:nvSpPr>
-          <p:cNvPr id="134" name="TextBox 133">
-            <a:extLst>
-              <a:ext uri="{FF2B5EF4-FFF2-40B4-BE49-F238E27FC236}">
-                <a16:creationId xmlns:a16="http://schemas.microsoft.com/office/drawing/2014/main" id="{74453F14-66C1-4517-8DB4-81464F87D34D}"/>
+              <a:t>8</a:t>
+            </a:r>
+          </a:p>
+        </p:txBody>
+      </p:sp>
+      <p:sp>
+        <p:nvSpPr>
+          <p:cNvPr id="138" name="TextBox 137">
+            <a:extLst>
+              <a:ext uri="{FF2B5EF4-FFF2-40B4-BE49-F238E27FC236}">
+                <a16:creationId xmlns:a16="http://schemas.microsoft.com/office/drawing/2014/main" id="{E815577E-925A-4AFE-9903-78767A81430E}"/>
               </a:ext>
             </a:extLst>
           </p:cNvPr>
@@ -5866,7 +5885,7 @@
         </p:nvSpPr>
         <p:spPr>
           <a:xfrm>
-            <a:off x="8761123" y="4640197"/>
+            <a:off x="8761122" y="5495887"/>
             <a:ext cx="3269963" cy="461665"/>
           </a:xfrm>
           <a:prstGeom prst="rect">
@@ -5882,17 +5901,17 @@
           <a:p>
             <a:r>
               <a:rPr lang="en-US" sz="800" dirty="0"/>
-              <a:t>Diagnostic data from the Primary Game Cluster will be written to //data-automation-diagnostic-CG-2-game/. This will include all actions taken by the automation server, including error conditions.</a:t>
-            </a:r>
-          </a:p>
-        </p:txBody>
-      </p:sp>
-      <p:sp>
-        <p:nvSpPr>
-          <p:cNvPr id="136" name="Speech Bubble: Rectangle 135">
-            <a:extLst>
-              <a:ext uri="{FF2B5EF4-FFF2-40B4-BE49-F238E27FC236}">
-                <a16:creationId xmlns:a16="http://schemas.microsoft.com/office/drawing/2014/main" id="{ECD9446B-6520-4F65-B135-D28C33F7B940}"/>
+              <a:t>Diagnostic data from the Arena Game Cluster will be written to //data-automation-diagnostic-CG-2-arena/. This will include all actions taken by the automation server, including error conditions.</a:t>
+            </a:r>
+          </a:p>
+        </p:txBody>
+      </p:sp>
+      <p:sp>
+        <p:nvSpPr>
+          <p:cNvPr id="140" name="Speech Bubble: Rectangle 139">
+            <a:extLst>
+              <a:ext uri="{FF2B5EF4-FFF2-40B4-BE49-F238E27FC236}">
+                <a16:creationId xmlns:a16="http://schemas.microsoft.com/office/drawing/2014/main" id="{4799BE2B-767E-472F-BB7A-D81018458920}"/>
               </a:ext>
             </a:extLst>
           </p:cNvPr>
@@ -5901,7 +5920,7 @@
         </p:nvSpPr>
         <p:spPr>
           <a:xfrm>
-            <a:off x="8568058" y="5271856"/>
+            <a:off x="8568056" y="6134675"/>
             <a:ext cx="123497" cy="118374"/>
           </a:xfrm>
           <a:prstGeom prst="wedgeRectCallout">
@@ -5931,17 +5950,17 @@
             <a:pPr algn="ctr"/>
             <a:r>
               <a:rPr lang="en-US" sz="1000" dirty="0"/>
-              <a:t>8</a:t>
-            </a:r>
-          </a:p>
-        </p:txBody>
-      </p:sp>
-      <p:sp>
-        <p:nvSpPr>
-          <p:cNvPr id="138" name="TextBox 137">
-            <a:extLst>
-              <a:ext uri="{FF2B5EF4-FFF2-40B4-BE49-F238E27FC236}">
-                <a16:creationId xmlns:a16="http://schemas.microsoft.com/office/drawing/2014/main" id="{E815577E-925A-4AFE-9903-78767A81430E}"/>
+              <a:t>9</a:t>
+            </a:r>
+          </a:p>
+        </p:txBody>
+      </p:sp>
+      <p:sp>
+        <p:nvSpPr>
+          <p:cNvPr id="141" name="TextBox 140">
+            <a:extLst>
+              <a:ext uri="{FF2B5EF4-FFF2-40B4-BE49-F238E27FC236}">
+                <a16:creationId xmlns:a16="http://schemas.microsoft.com/office/drawing/2014/main" id="{0F97C00A-9E73-43F4-BA32-8C109D624329}"/>
               </a:ext>
             </a:extLst>
           </p:cNvPr>
@@ -5950,8 +5969,8 @@
         </p:nvSpPr>
         <p:spPr>
           <a:xfrm>
-            <a:off x="8761122" y="5188527"/>
-            <a:ext cx="3269963" cy="461665"/>
+            <a:off x="8761122" y="6044217"/>
+            <a:ext cx="3239483" cy="584775"/>
           </a:xfrm>
           <a:prstGeom prst="rect">
             <a:avLst/>
@@ -5966,17 +5985,27 @@
           <a:p>
             <a:r>
               <a:rPr lang="en-US" sz="800" dirty="0"/>
-              <a:t>Diagnostic data from the Arena Game Cluster will be written to //data-automation-diagnostic-CG-2-arena/. This will include all actions taken by the automation server, including error conditions.</a:t>
-            </a:r>
-          </a:p>
-        </p:txBody>
-      </p:sp>
-      <p:sp>
-        <p:nvSpPr>
-          <p:cNvPr id="140" name="Speech Bubble: Rectangle 139">
-            <a:extLst>
-              <a:ext uri="{FF2B5EF4-FFF2-40B4-BE49-F238E27FC236}">
-                <a16:creationId xmlns:a16="http://schemas.microsoft.com/office/drawing/2014/main" id="{4799BE2B-767E-472F-BB7A-D81018458920}"/>
+              <a:t>Reporting – Each new cluster build or destroyed will send a message via a queuing server to the help desk ticketing system at </a:t>
+            </a:r>
+            <a:r>
+              <a:rPr lang="en-US" sz="800" dirty="0">
+                <a:hlinkClick r:id="rId8"/>
+              </a:rPr>
+              <a:t>helpdesk@sparkIT_game.com</a:t>
+            </a:r>
+            <a:endParaRPr lang="en-US" sz="800" dirty="0"/>
+          </a:p>
+          <a:p>
+            <a:endParaRPr lang="en-US" sz="800" dirty="0"/>
+          </a:p>
+        </p:txBody>
+      </p:sp>
+      <p:sp>
+        <p:nvSpPr>
+          <p:cNvPr id="143" name="Speech Bubble: Rectangle 142">
+            <a:extLst>
+              <a:ext uri="{FF2B5EF4-FFF2-40B4-BE49-F238E27FC236}">
+                <a16:creationId xmlns:a16="http://schemas.microsoft.com/office/drawing/2014/main" id="{290A928F-95DB-4D9A-B977-47F22DA52EC7}"/>
               </a:ext>
             </a:extLst>
           </p:cNvPr>
@@ -5985,7 +6014,7 @@
         </p:nvSpPr>
         <p:spPr>
           <a:xfrm>
-            <a:off x="8568056" y="5887617"/>
+            <a:off x="1297005" y="3920038"/>
             <a:ext cx="123497" cy="118374"/>
           </a:xfrm>
           <a:prstGeom prst="wedgeRectCallout">
@@ -6015,100 +6044,6 @@
             <a:pPr algn="ctr"/>
             <a:r>
               <a:rPr lang="en-US" sz="1000" dirty="0"/>
-              <a:t>9</a:t>
-            </a:r>
-          </a:p>
-        </p:txBody>
-      </p:sp>
-      <p:sp>
-        <p:nvSpPr>
-          <p:cNvPr id="141" name="TextBox 140">
-            <a:extLst>
-              <a:ext uri="{FF2B5EF4-FFF2-40B4-BE49-F238E27FC236}">
-                <a16:creationId xmlns:a16="http://schemas.microsoft.com/office/drawing/2014/main" id="{0F97C00A-9E73-43F4-BA32-8C109D624329}"/>
-              </a:ext>
-            </a:extLst>
-          </p:cNvPr>
-          <p:cNvSpPr txBox="1"/>
-          <p:nvPr/>
-        </p:nvSpPr>
-        <p:spPr>
-          <a:xfrm>
-            <a:off x="8761122" y="5804564"/>
-            <a:ext cx="3239483" cy="584775"/>
-          </a:xfrm>
-          <a:prstGeom prst="rect">
-            <a:avLst/>
-          </a:prstGeom>
-          <a:noFill/>
-        </p:spPr>
-        <p:txBody>
-          <a:bodyPr wrap="square" rtlCol="0">
-            <a:spAutoFit/>
-          </a:bodyPr>
-          <a:lstStyle/>
-          <a:p>
-            <a:r>
-              <a:rPr lang="en-US" sz="800" dirty="0"/>
-              <a:t>Reporting – Each new cluster build or destroyed will send a message via a queuing server to the help desk ticketing system at </a:t>
-            </a:r>
-            <a:r>
-              <a:rPr lang="en-US" sz="800" dirty="0">
-                <a:hlinkClick r:id="rId8"/>
-              </a:rPr>
-              <a:t>helpdesk@sparkIT_game.com</a:t>
-            </a:r>
-            <a:endParaRPr lang="en-US" sz="800" dirty="0"/>
-          </a:p>
-          <a:p>
-            <a:endParaRPr lang="en-US" sz="800" dirty="0"/>
-          </a:p>
-        </p:txBody>
-      </p:sp>
-      <p:sp>
-        <p:nvSpPr>
-          <p:cNvPr id="143" name="Speech Bubble: Rectangle 142">
-            <a:extLst>
-              <a:ext uri="{FF2B5EF4-FFF2-40B4-BE49-F238E27FC236}">
-                <a16:creationId xmlns:a16="http://schemas.microsoft.com/office/drawing/2014/main" id="{290A928F-95DB-4D9A-B977-47F22DA52EC7}"/>
-              </a:ext>
-            </a:extLst>
-          </p:cNvPr>
-          <p:cNvSpPr/>
-          <p:nvPr/>
-        </p:nvSpPr>
-        <p:spPr>
-          <a:xfrm>
-            <a:off x="1246999" y="2406925"/>
-            <a:ext cx="123497" cy="118374"/>
-          </a:xfrm>
-          <a:prstGeom prst="wedgeRectCallout">
-            <a:avLst/>
-          </a:prstGeom>
-        </p:spPr>
-        <p:style>
-          <a:lnRef idx="2">
-            <a:schemeClr val="accent1">
-              <a:shade val="50000"/>
-            </a:schemeClr>
-          </a:lnRef>
-          <a:fillRef idx="1001">
-            <a:schemeClr val="dk2"/>
-          </a:fillRef>
-          <a:effectRef idx="0">
-            <a:schemeClr val="accent1"/>
-          </a:effectRef>
-          <a:fontRef idx="minor">
-            <a:schemeClr val="lt1"/>
-          </a:fontRef>
-        </p:style>
-        <p:txBody>
-          <a:bodyPr rtlCol="0" anchor="ctr"/>
-          <a:lstStyle/>
-          <a:p>
-            <a:pPr algn="ctr"/>
-            <a:r>
-              <a:rPr lang="en-US" sz="1000" dirty="0"/>
               <a:t>7</a:t>
             </a:r>
           </a:p>
@@ -6124,13 +6059,14 @@
             </a:extLst>
           </p:cNvPr>
           <p:cNvCxnSpPr>
+            <a:cxnSpLocks/>
             <a:stCxn id="143" idx="0"/>
           </p:cNvCxnSpPr>
           <p:nvPr/>
         </p:nvCxnSpPr>
         <p:spPr>
           <a:xfrm flipH="1" flipV="1">
-            <a:off x="1308747" y="2221768"/>
+            <a:off x="1358753" y="3734881"/>
             <a:ext cx="1" cy="185157"/>
           </a:xfrm>
           <a:prstGeom prst="straightConnector1">
@@ -6165,13 +6101,14 @@
             </a:extLst>
           </p:cNvPr>
           <p:cNvCxnSpPr>
+            <a:cxnSpLocks/>
             <a:stCxn id="143" idx="2"/>
           </p:cNvCxnSpPr>
           <p:nvPr/>
         </p:nvCxnSpPr>
         <p:spPr>
           <a:xfrm flipH="1">
-            <a:off x="1308747" y="2525299"/>
+            <a:off x="1358753" y="4038412"/>
             <a:ext cx="1" cy="204403"/>
           </a:xfrm>
           <a:prstGeom prst="straightConnector1">
@@ -6210,7 +6147,7 @@
         </p:nvSpPr>
         <p:spPr>
           <a:xfrm>
-            <a:off x="7399415" y="1993304"/>
+            <a:off x="7449421" y="3506417"/>
             <a:ext cx="123497" cy="118374"/>
           </a:xfrm>
           <a:prstGeom prst="wedgeRectCallout">
@@ -6259,7 +6196,7 @@
         </p:nvSpPr>
         <p:spPr>
           <a:xfrm>
-            <a:off x="6312973" y="342334"/>
+            <a:off x="6362979" y="1855447"/>
             <a:ext cx="123497" cy="118374"/>
           </a:xfrm>
           <a:prstGeom prst="wedgeRectCallout">
@@ -6289,11 +6226,768 @@
             <a:pPr algn="ctr"/>
             <a:r>
               <a:rPr lang="en-US" sz="1000" dirty="0"/>
+              <a:t>4</a:t>
+            </a:r>
+          </a:p>
+        </p:txBody>
+      </p:sp>
+      <p:cxnSp>
+        <p:nvCxnSpPr>
+          <p:cNvPr id="13" name="Connector: Elbow 12">
+            <a:extLst>
+              <a:ext uri="{FF2B5EF4-FFF2-40B4-BE49-F238E27FC236}">
+                <a16:creationId xmlns:a16="http://schemas.microsoft.com/office/drawing/2014/main" id="{B912DA6B-915C-4574-8972-F9845C6C31B6}"/>
+              </a:ext>
+            </a:extLst>
+          </p:cNvPr>
+          <p:cNvCxnSpPr>
+            <a:cxnSpLocks/>
+            <a:stCxn id="31" idx="2"/>
+          </p:cNvCxnSpPr>
+          <p:nvPr/>
+        </p:nvCxnSpPr>
+        <p:spPr>
+          <a:xfrm rot="16200000" flipH="1">
+            <a:off x="1175365" y="505239"/>
+            <a:ext cx="1049998" cy="1728484"/>
+          </a:xfrm>
+          <a:prstGeom prst="bentConnector2">
+            <a:avLst/>
+          </a:prstGeom>
+          <a:ln>
+            <a:tailEnd type="triangle"/>
+          </a:ln>
+        </p:spPr>
+        <p:style>
+          <a:lnRef idx="2">
+            <a:schemeClr val="accent5"/>
+          </a:lnRef>
+          <a:fillRef idx="0">
+            <a:schemeClr val="accent5"/>
+          </a:fillRef>
+          <a:effectRef idx="1">
+            <a:schemeClr val="accent5"/>
+          </a:effectRef>
+          <a:fontRef idx="minor">
+            <a:schemeClr val="tx1"/>
+          </a:fontRef>
+        </p:style>
+      </p:cxnSp>
+      <p:sp>
+        <p:nvSpPr>
+          <p:cNvPr id="19" name="Rectangle: Rounded Corners 18">
+            <a:extLst>
+              <a:ext uri="{FF2B5EF4-FFF2-40B4-BE49-F238E27FC236}">
+                <a16:creationId xmlns:a16="http://schemas.microsoft.com/office/drawing/2014/main" id="{30244EF6-8999-4634-B118-143F774A282C}"/>
+              </a:ext>
+            </a:extLst>
+          </p:cNvPr>
+          <p:cNvSpPr/>
+          <p:nvPr/>
+        </p:nvSpPr>
+        <p:spPr>
+          <a:xfrm>
+            <a:off x="526531" y="1350169"/>
+            <a:ext cx="7310163" cy="3946267"/>
+          </a:xfrm>
+          <a:prstGeom prst="roundRect">
+            <a:avLst/>
+          </a:prstGeom>
+          <a:noFill/>
+          <a:ln>
+            <a:solidFill>
+              <a:schemeClr val="accent6">
+                <a:lumMod val="60000"/>
+                <a:lumOff val="40000"/>
+              </a:schemeClr>
+            </a:solidFill>
+          </a:ln>
+        </p:spPr>
+        <p:style>
+          <a:lnRef idx="2">
+            <a:schemeClr val="accent1">
+              <a:shade val="50000"/>
+            </a:schemeClr>
+          </a:lnRef>
+          <a:fillRef idx="1">
+            <a:schemeClr val="accent1"/>
+          </a:fillRef>
+          <a:effectRef idx="0">
+            <a:schemeClr val="accent1"/>
+          </a:effectRef>
+          <a:fontRef idx="minor">
+            <a:schemeClr val="lt1"/>
+          </a:fontRef>
+        </p:style>
+        <p:txBody>
+          <a:bodyPr rtlCol="0" anchor="ctr"/>
+          <a:lstStyle/>
+          <a:p>
+            <a:pPr algn="ctr"/>
+            <a:endParaRPr lang="en-US"/>
+          </a:p>
+        </p:txBody>
+      </p:sp>
+      <p:sp>
+        <p:nvSpPr>
+          <p:cNvPr id="21" name="TextBox 20">
+            <a:extLst>
+              <a:ext uri="{FF2B5EF4-FFF2-40B4-BE49-F238E27FC236}">
+                <a16:creationId xmlns:a16="http://schemas.microsoft.com/office/drawing/2014/main" id="{2D249624-9E30-432C-9FC3-7ECBCE0C201D}"/>
+              </a:ext>
+            </a:extLst>
+          </p:cNvPr>
+          <p:cNvSpPr txBox="1"/>
+          <p:nvPr/>
+        </p:nvSpPr>
+        <p:spPr>
+          <a:xfrm>
+            <a:off x="5812885" y="1042392"/>
+            <a:ext cx="1728484" cy="307777"/>
+          </a:xfrm>
+          <a:prstGeom prst="rect">
+            <a:avLst/>
+          </a:prstGeom>
+          <a:noFill/>
+        </p:spPr>
+        <p:txBody>
+          <a:bodyPr wrap="square" rtlCol="0">
+            <a:spAutoFit/>
+          </a:bodyPr>
+          <a:lstStyle/>
+          <a:p>
+            <a:r>
+              <a:rPr lang="en-US" sz="1400" dirty="0"/>
+              <a:t>Azure Cloud</a:t>
+            </a:r>
+          </a:p>
+        </p:txBody>
+      </p:sp>
+      <p:cxnSp>
+        <p:nvCxnSpPr>
+          <p:cNvPr id="25" name="Straight Arrow Connector 24">
+            <a:extLst>
+              <a:ext uri="{FF2B5EF4-FFF2-40B4-BE49-F238E27FC236}">
+                <a16:creationId xmlns:a16="http://schemas.microsoft.com/office/drawing/2014/main" id="{A1C05614-DEE0-4FE5-8E39-9FB40FB664D0}"/>
+              </a:ext>
+            </a:extLst>
+          </p:cNvPr>
+          <p:cNvCxnSpPr/>
+          <p:nvPr/>
+        </p:nvCxnSpPr>
+        <p:spPr>
+          <a:xfrm>
+            <a:off x="1053068" y="5804564"/>
+            <a:ext cx="561217" cy="0"/>
+          </a:xfrm>
+          <a:prstGeom prst="straightConnector1">
+            <a:avLst/>
+          </a:prstGeom>
+          <a:ln>
+            <a:tailEnd type="triangle"/>
+          </a:ln>
+        </p:spPr>
+        <p:style>
+          <a:lnRef idx="2">
+            <a:schemeClr val="accent5"/>
+          </a:lnRef>
+          <a:fillRef idx="0">
+            <a:schemeClr val="accent5"/>
+          </a:fillRef>
+          <a:effectRef idx="1">
+            <a:schemeClr val="accent5"/>
+          </a:effectRef>
+          <a:fontRef idx="minor">
+            <a:schemeClr val="tx1"/>
+          </a:fontRef>
+        </p:style>
+      </p:cxnSp>
+      <p:cxnSp>
+        <p:nvCxnSpPr>
+          <p:cNvPr id="28" name="Straight Arrow Connector 27">
+            <a:extLst>
+              <a:ext uri="{FF2B5EF4-FFF2-40B4-BE49-F238E27FC236}">
+                <a16:creationId xmlns:a16="http://schemas.microsoft.com/office/drawing/2014/main" id="{5E223C20-9981-4B2D-8FF2-EE1A6CB590DC}"/>
+              </a:ext>
+            </a:extLst>
+          </p:cNvPr>
+          <p:cNvCxnSpPr>
+            <a:cxnSpLocks/>
+          </p:cNvCxnSpPr>
+          <p:nvPr/>
+        </p:nvCxnSpPr>
+        <p:spPr>
+          <a:xfrm>
+            <a:off x="1047180" y="6182796"/>
+            <a:ext cx="563282" cy="0"/>
+          </a:xfrm>
+          <a:prstGeom prst="straightConnector1">
+            <a:avLst/>
+          </a:prstGeom>
+          <a:ln>
+            <a:tailEnd type="triangle"/>
+          </a:ln>
+        </p:spPr>
+        <p:style>
+          <a:lnRef idx="2">
+            <a:schemeClr val="accent4"/>
+          </a:lnRef>
+          <a:fillRef idx="0">
+            <a:schemeClr val="accent4"/>
+          </a:fillRef>
+          <a:effectRef idx="1">
+            <a:schemeClr val="accent4"/>
+          </a:effectRef>
+          <a:fontRef idx="minor">
+            <a:schemeClr val="tx1"/>
+          </a:fontRef>
+        </p:style>
+      </p:cxnSp>
+      <p:sp>
+        <p:nvSpPr>
+          <p:cNvPr id="33" name="TextBox 32">
+            <a:extLst>
+              <a:ext uri="{FF2B5EF4-FFF2-40B4-BE49-F238E27FC236}">
+                <a16:creationId xmlns:a16="http://schemas.microsoft.com/office/drawing/2014/main" id="{51F14B20-29F3-496C-BFF1-13645BE785D9}"/>
+              </a:ext>
+            </a:extLst>
+          </p:cNvPr>
+          <p:cNvSpPr txBox="1"/>
+          <p:nvPr/>
+        </p:nvSpPr>
+        <p:spPr>
+          <a:xfrm>
+            <a:off x="320429" y="5702362"/>
+            <a:ext cx="876770" cy="215444"/>
+          </a:xfrm>
+          <a:prstGeom prst="rect">
+            <a:avLst/>
+          </a:prstGeom>
+          <a:noFill/>
+        </p:spPr>
+        <p:txBody>
+          <a:bodyPr wrap="square" rtlCol="0">
+            <a:spAutoFit/>
+          </a:bodyPr>
+          <a:lstStyle/>
+          <a:p>
+            <a:r>
+              <a:rPr lang="en-US" sz="800" b="1" dirty="0"/>
+              <a:t>Player Traffic</a:t>
+            </a:r>
+          </a:p>
+        </p:txBody>
+      </p:sp>
+      <p:sp>
+        <p:nvSpPr>
+          <p:cNvPr id="35" name="TextBox 34">
+            <a:extLst>
+              <a:ext uri="{FF2B5EF4-FFF2-40B4-BE49-F238E27FC236}">
+                <a16:creationId xmlns:a16="http://schemas.microsoft.com/office/drawing/2014/main" id="{7C6E2919-5F3B-4263-AA43-CB8067E91B20}"/>
+              </a:ext>
+            </a:extLst>
+          </p:cNvPr>
+          <p:cNvSpPr txBox="1"/>
+          <p:nvPr/>
+        </p:nvSpPr>
+        <p:spPr>
+          <a:xfrm>
+            <a:off x="341576" y="6013519"/>
+            <a:ext cx="745351" cy="338554"/>
+          </a:xfrm>
+          <a:prstGeom prst="rect">
+            <a:avLst/>
+          </a:prstGeom>
+          <a:noFill/>
+        </p:spPr>
+        <p:txBody>
+          <a:bodyPr wrap="square" rtlCol="0">
+            <a:spAutoFit/>
+          </a:bodyPr>
+          <a:lstStyle/>
+          <a:p>
+            <a:r>
+              <a:rPr lang="en-US" sz="800" b="1" dirty="0"/>
+              <a:t>Automation VM Traffic</a:t>
+            </a:r>
+          </a:p>
+        </p:txBody>
+      </p:sp>
+      <p:cxnSp>
+        <p:nvCxnSpPr>
+          <p:cNvPr id="39" name="Straight Arrow Connector 38">
+            <a:extLst>
+              <a:ext uri="{FF2B5EF4-FFF2-40B4-BE49-F238E27FC236}">
+                <a16:creationId xmlns:a16="http://schemas.microsoft.com/office/drawing/2014/main" id="{E8EAEBBE-2B61-4454-BDF2-4EC94546D684}"/>
+              </a:ext>
+            </a:extLst>
+          </p:cNvPr>
+          <p:cNvCxnSpPr>
+            <a:cxnSpLocks/>
+          </p:cNvCxnSpPr>
+          <p:nvPr/>
+        </p:nvCxnSpPr>
+        <p:spPr>
+          <a:xfrm flipH="1">
+            <a:off x="3153886" y="1857102"/>
+            <a:ext cx="2226925" cy="1774"/>
+          </a:xfrm>
+          <a:prstGeom prst="straightConnector1">
+            <a:avLst/>
+          </a:prstGeom>
+          <a:ln>
+            <a:tailEnd type="triangle"/>
+          </a:ln>
+        </p:spPr>
+        <p:style>
+          <a:lnRef idx="2">
+            <a:schemeClr val="accent4"/>
+          </a:lnRef>
+          <a:fillRef idx="0">
+            <a:schemeClr val="accent4"/>
+          </a:fillRef>
+          <a:effectRef idx="1">
+            <a:schemeClr val="accent4"/>
+          </a:effectRef>
+          <a:fontRef idx="minor">
+            <a:schemeClr val="tx1"/>
+          </a:fontRef>
+        </p:style>
+      </p:cxnSp>
+      <p:sp>
+        <p:nvSpPr>
+          <p:cNvPr id="49" name="Speech Bubble: Rectangle 48">
+            <a:extLst>
+              <a:ext uri="{FF2B5EF4-FFF2-40B4-BE49-F238E27FC236}">
+                <a16:creationId xmlns:a16="http://schemas.microsoft.com/office/drawing/2014/main" id="{9F3688D7-A0CD-4CD5-B0CA-227272911F80}"/>
+              </a:ext>
+            </a:extLst>
+          </p:cNvPr>
+          <p:cNvSpPr/>
+          <p:nvPr/>
+        </p:nvSpPr>
+        <p:spPr>
+          <a:xfrm>
+            <a:off x="5018929" y="2555771"/>
+            <a:ext cx="123497" cy="118374"/>
+          </a:xfrm>
+          <a:prstGeom prst="wedgeRectCallout">
+            <a:avLst/>
+          </a:prstGeom>
+        </p:spPr>
+        <p:style>
+          <a:lnRef idx="2">
+            <a:schemeClr val="accent1">
+              <a:shade val="50000"/>
+            </a:schemeClr>
+          </a:lnRef>
+          <a:fillRef idx="1001">
+            <a:schemeClr val="dk2"/>
+          </a:fillRef>
+          <a:effectRef idx="0">
+            <a:schemeClr val="accent1"/>
+          </a:effectRef>
+          <a:fontRef idx="minor">
+            <a:schemeClr val="lt1"/>
+          </a:fontRef>
+        </p:style>
+        <p:txBody>
+          <a:bodyPr rtlCol="0" anchor="ctr"/>
+          <a:lstStyle/>
+          <a:p>
+            <a:pPr algn="ctr"/>
+            <a:r>
+              <a:rPr lang="en-US" sz="1000" dirty="0"/>
+              <a:t>2</a:t>
+            </a:r>
+          </a:p>
+        </p:txBody>
+      </p:sp>
+      <p:sp>
+        <p:nvSpPr>
+          <p:cNvPr id="50" name="Speech Bubble: Rectangle 49">
+            <a:extLst>
+              <a:ext uri="{FF2B5EF4-FFF2-40B4-BE49-F238E27FC236}">
+                <a16:creationId xmlns:a16="http://schemas.microsoft.com/office/drawing/2014/main" id="{63BED968-2E9F-48A9-A0C0-6BBA9A75776E}"/>
+              </a:ext>
+            </a:extLst>
+          </p:cNvPr>
+          <p:cNvSpPr/>
+          <p:nvPr/>
+        </p:nvSpPr>
+        <p:spPr>
+          <a:xfrm>
+            <a:off x="4565926" y="2766521"/>
+            <a:ext cx="123497" cy="118374"/>
+          </a:xfrm>
+          <a:prstGeom prst="wedgeRectCallout">
+            <a:avLst/>
+          </a:prstGeom>
+        </p:spPr>
+        <p:style>
+          <a:lnRef idx="2">
+            <a:schemeClr val="accent1">
+              <a:shade val="50000"/>
+            </a:schemeClr>
+          </a:lnRef>
+          <a:fillRef idx="1001">
+            <a:schemeClr val="dk2"/>
+          </a:fillRef>
+          <a:effectRef idx="0">
+            <a:schemeClr val="accent1"/>
+          </a:effectRef>
+          <a:fontRef idx="minor">
+            <a:schemeClr val="lt1"/>
+          </a:fontRef>
+        </p:style>
+        <p:txBody>
+          <a:bodyPr rtlCol="0" anchor="ctr"/>
+          <a:lstStyle/>
+          <a:p>
+            <a:pPr algn="ctr"/>
+            <a:r>
+              <a:rPr lang="en-US" sz="1000" dirty="0"/>
+              <a:t>2</a:t>
+            </a:r>
+          </a:p>
+        </p:txBody>
+      </p:sp>
+      <p:sp>
+        <p:nvSpPr>
+          <p:cNvPr id="52" name="Speech Bubble: Rectangle 51">
+            <a:extLst>
+              <a:ext uri="{FF2B5EF4-FFF2-40B4-BE49-F238E27FC236}">
+                <a16:creationId xmlns:a16="http://schemas.microsoft.com/office/drawing/2014/main" id="{1857429C-47B9-4D73-BCB6-26E3D9924F9A}"/>
+              </a:ext>
+            </a:extLst>
+          </p:cNvPr>
+          <p:cNvSpPr/>
+          <p:nvPr/>
+        </p:nvSpPr>
+        <p:spPr>
+          <a:xfrm>
+            <a:off x="6630404" y="1855447"/>
+            <a:ext cx="123497" cy="118374"/>
+          </a:xfrm>
+          <a:prstGeom prst="wedgeRectCallout">
+            <a:avLst/>
+          </a:prstGeom>
+        </p:spPr>
+        <p:style>
+          <a:lnRef idx="2">
+            <a:schemeClr val="accent1">
+              <a:shade val="50000"/>
+            </a:schemeClr>
+          </a:lnRef>
+          <a:fillRef idx="1001">
+            <a:schemeClr val="dk2"/>
+          </a:fillRef>
+          <a:effectRef idx="0">
+            <a:schemeClr val="accent1"/>
+          </a:effectRef>
+          <a:fontRef idx="minor">
+            <a:schemeClr val="lt1"/>
+          </a:fontRef>
+        </p:style>
+        <p:txBody>
+          <a:bodyPr rtlCol="0" anchor="ctr"/>
+          <a:lstStyle/>
+          <a:p>
+            <a:pPr algn="ctr"/>
+            <a:r>
+              <a:rPr lang="en-US" sz="1000" dirty="0"/>
               <a:t>9</a:t>
             </a:r>
           </a:p>
         </p:txBody>
       </p:sp>
+      <p:sp>
+        <p:nvSpPr>
+          <p:cNvPr id="55" name="Speech Bubble: Rectangle 54">
+            <a:extLst>
+              <a:ext uri="{FF2B5EF4-FFF2-40B4-BE49-F238E27FC236}">
+                <a16:creationId xmlns:a16="http://schemas.microsoft.com/office/drawing/2014/main" id="{05E29583-8701-467B-AB49-DF7E1151DA84}"/>
+              </a:ext>
+            </a:extLst>
+          </p:cNvPr>
+          <p:cNvSpPr/>
+          <p:nvPr/>
+        </p:nvSpPr>
+        <p:spPr>
+          <a:xfrm>
+            <a:off x="3789805" y="1703751"/>
+            <a:ext cx="123497" cy="118374"/>
+          </a:xfrm>
+          <a:prstGeom prst="wedgeRectCallout">
+            <a:avLst/>
+          </a:prstGeom>
+        </p:spPr>
+        <p:style>
+          <a:lnRef idx="2">
+            <a:schemeClr val="accent1">
+              <a:shade val="50000"/>
+            </a:schemeClr>
+          </a:lnRef>
+          <a:fillRef idx="1001">
+            <a:schemeClr val="dk2"/>
+          </a:fillRef>
+          <a:effectRef idx="0">
+            <a:schemeClr val="accent1"/>
+          </a:effectRef>
+          <a:fontRef idx="minor">
+            <a:schemeClr val="lt1"/>
+          </a:fontRef>
+        </p:style>
+        <p:txBody>
+          <a:bodyPr rtlCol="0" anchor="ctr"/>
+          <a:lstStyle/>
+          <a:p>
+            <a:pPr algn="ctr"/>
+            <a:r>
+              <a:rPr lang="en-US" sz="1000" dirty="0"/>
+              <a:t>3</a:t>
+            </a:r>
+          </a:p>
+        </p:txBody>
+      </p:sp>
+      <p:sp>
+        <p:nvSpPr>
+          <p:cNvPr id="56" name="Speech Bubble: Rectangle 55">
+            <a:extLst>
+              <a:ext uri="{FF2B5EF4-FFF2-40B4-BE49-F238E27FC236}">
+                <a16:creationId xmlns:a16="http://schemas.microsoft.com/office/drawing/2014/main" id="{063EF928-C9FB-4BF2-87DD-EA7BB29975BC}"/>
+              </a:ext>
+            </a:extLst>
+          </p:cNvPr>
+          <p:cNvSpPr/>
+          <p:nvPr/>
+        </p:nvSpPr>
+        <p:spPr>
+          <a:xfrm>
+            <a:off x="4084698" y="1702134"/>
+            <a:ext cx="123497" cy="118374"/>
+          </a:xfrm>
+          <a:prstGeom prst="wedgeRectCallout">
+            <a:avLst/>
+          </a:prstGeom>
+        </p:spPr>
+        <p:style>
+          <a:lnRef idx="2">
+            <a:schemeClr val="accent1">
+              <a:shade val="50000"/>
+            </a:schemeClr>
+          </a:lnRef>
+          <a:fillRef idx="1001">
+            <a:schemeClr val="dk2"/>
+          </a:fillRef>
+          <a:effectRef idx="0">
+            <a:schemeClr val="accent1"/>
+          </a:effectRef>
+          <a:fontRef idx="minor">
+            <a:schemeClr val="lt1"/>
+          </a:fontRef>
+        </p:style>
+        <p:txBody>
+          <a:bodyPr rtlCol="0" anchor="ctr"/>
+          <a:lstStyle/>
+          <a:p>
+            <a:pPr algn="ctr"/>
+            <a:r>
+              <a:rPr lang="en-US" sz="1000" dirty="0"/>
+              <a:t>4</a:t>
+            </a:r>
+          </a:p>
+        </p:txBody>
+      </p:sp>
+      <p:sp>
+        <p:nvSpPr>
+          <p:cNvPr id="58" name="Speech Bubble: Rectangle 57">
+            <a:extLst>
+              <a:ext uri="{FF2B5EF4-FFF2-40B4-BE49-F238E27FC236}">
+                <a16:creationId xmlns:a16="http://schemas.microsoft.com/office/drawing/2014/main" id="{2653CEDC-AF53-4133-9FC6-3E7CD9DCB775}"/>
+              </a:ext>
+            </a:extLst>
+          </p:cNvPr>
+          <p:cNvSpPr/>
+          <p:nvPr/>
+        </p:nvSpPr>
+        <p:spPr>
+          <a:xfrm>
+            <a:off x="4731552" y="4011267"/>
+            <a:ext cx="123497" cy="118374"/>
+          </a:xfrm>
+          <a:prstGeom prst="wedgeRectCallout">
+            <a:avLst/>
+          </a:prstGeom>
+        </p:spPr>
+        <p:style>
+          <a:lnRef idx="2">
+            <a:schemeClr val="accent1">
+              <a:shade val="50000"/>
+            </a:schemeClr>
+          </a:lnRef>
+          <a:fillRef idx="1001">
+            <a:schemeClr val="dk2"/>
+          </a:fillRef>
+          <a:effectRef idx="0">
+            <a:schemeClr val="accent1"/>
+          </a:effectRef>
+          <a:fontRef idx="minor">
+            <a:schemeClr val="lt1"/>
+          </a:fontRef>
+        </p:style>
+        <p:txBody>
+          <a:bodyPr rtlCol="0" anchor="ctr"/>
+          <a:lstStyle/>
+          <a:p>
+            <a:pPr algn="ctr"/>
+            <a:r>
+              <a:rPr lang="en-US" sz="1000" dirty="0"/>
+              <a:t>5</a:t>
+            </a:r>
+          </a:p>
+        </p:txBody>
+      </p:sp>
+      <p:sp>
+        <p:nvSpPr>
+          <p:cNvPr id="60" name="Speech Bubble: Rectangle 59">
+            <a:extLst>
+              <a:ext uri="{FF2B5EF4-FFF2-40B4-BE49-F238E27FC236}">
+                <a16:creationId xmlns:a16="http://schemas.microsoft.com/office/drawing/2014/main" id="{7E71A54A-8AA9-4C62-BE55-FFDAE1DBA20A}"/>
+              </a:ext>
+            </a:extLst>
+          </p:cNvPr>
+          <p:cNvSpPr/>
+          <p:nvPr/>
+        </p:nvSpPr>
+        <p:spPr>
+          <a:xfrm>
+            <a:off x="3333298" y="4292900"/>
+            <a:ext cx="123497" cy="118374"/>
+          </a:xfrm>
+          <a:prstGeom prst="wedgeRectCallout">
+            <a:avLst/>
+          </a:prstGeom>
+        </p:spPr>
+        <p:style>
+          <a:lnRef idx="2">
+            <a:schemeClr val="accent1">
+              <a:shade val="50000"/>
+            </a:schemeClr>
+          </a:lnRef>
+          <a:fillRef idx="1001">
+            <a:schemeClr val="dk2"/>
+          </a:fillRef>
+          <a:effectRef idx="0">
+            <a:schemeClr val="accent1"/>
+          </a:effectRef>
+          <a:fontRef idx="minor">
+            <a:schemeClr val="lt1"/>
+          </a:fontRef>
+        </p:style>
+        <p:txBody>
+          <a:bodyPr rtlCol="0" anchor="ctr"/>
+          <a:lstStyle/>
+          <a:p>
+            <a:pPr algn="ctr"/>
+            <a:r>
+              <a:rPr lang="en-US" sz="1000" dirty="0"/>
+              <a:t>6</a:t>
+            </a:r>
+          </a:p>
+        </p:txBody>
+      </p:sp>
+      <p:sp>
+        <p:nvSpPr>
+          <p:cNvPr id="64" name="Speech Bubble: Rectangle 63">
+            <a:extLst>
+              <a:ext uri="{FF2B5EF4-FFF2-40B4-BE49-F238E27FC236}">
+                <a16:creationId xmlns:a16="http://schemas.microsoft.com/office/drawing/2014/main" id="{4967DC26-5AEF-465C-B187-AF6006A9F05C}"/>
+              </a:ext>
+            </a:extLst>
+          </p:cNvPr>
+          <p:cNvSpPr/>
+          <p:nvPr/>
+        </p:nvSpPr>
+        <p:spPr>
+          <a:xfrm>
+            <a:off x="3621157" y="281120"/>
+            <a:ext cx="123497" cy="118374"/>
+          </a:xfrm>
+          <a:prstGeom prst="wedgeRectCallout">
+            <a:avLst/>
+          </a:prstGeom>
+        </p:spPr>
+        <p:style>
+          <a:lnRef idx="2">
+            <a:schemeClr val="accent1">
+              <a:shade val="50000"/>
+            </a:schemeClr>
+          </a:lnRef>
+          <a:fillRef idx="1001">
+            <a:schemeClr val="dk2"/>
+          </a:fillRef>
+          <a:effectRef idx="0">
+            <a:schemeClr val="accent1"/>
+          </a:effectRef>
+          <a:fontRef idx="minor">
+            <a:schemeClr val="lt1"/>
+          </a:fontRef>
+        </p:style>
+        <p:txBody>
+          <a:bodyPr rtlCol="0" anchor="ctr"/>
+          <a:lstStyle/>
+          <a:p>
+            <a:pPr algn="ctr"/>
+            <a:r>
+              <a:rPr lang="en-US" sz="1000" dirty="0"/>
+              <a:t>9</a:t>
+            </a:r>
+          </a:p>
+        </p:txBody>
+      </p:sp>
+      <p:cxnSp>
+        <p:nvCxnSpPr>
+          <p:cNvPr id="66" name="Connector: Elbow 65">
+            <a:extLst>
+              <a:ext uri="{FF2B5EF4-FFF2-40B4-BE49-F238E27FC236}">
+                <a16:creationId xmlns:a16="http://schemas.microsoft.com/office/drawing/2014/main" id="{154CEAA3-2F17-453C-8C6A-AE9DFB55CCD5}"/>
+              </a:ext>
+            </a:extLst>
+          </p:cNvPr>
+          <p:cNvCxnSpPr>
+            <a:stCxn id="31" idx="3"/>
+            <a:endCxn id="53" idx="0"/>
+          </p:cNvCxnSpPr>
+          <p:nvPr/>
+        </p:nvCxnSpPr>
+        <p:spPr>
+          <a:xfrm>
+            <a:off x="1250432" y="428984"/>
+            <a:ext cx="4479407" cy="1093091"/>
+          </a:xfrm>
+          <a:prstGeom prst="bentConnector2">
+            <a:avLst/>
+          </a:prstGeom>
+          <a:ln>
+            <a:tailEnd type="triangle"/>
+          </a:ln>
+        </p:spPr>
+        <p:style>
+          <a:lnRef idx="2">
+            <a:schemeClr val="accent3"/>
+          </a:lnRef>
+          <a:fillRef idx="0">
+            <a:schemeClr val="accent3"/>
+          </a:fillRef>
+          <a:effectRef idx="1">
+            <a:schemeClr val="accent3"/>
+          </a:effectRef>
+          <a:fontRef idx="minor">
+            <a:schemeClr val="tx1"/>
+          </a:fontRef>
+        </p:style>
+      </p:cxnSp>
     </p:spTree>
     <p:extLst>
       <p:ext uri="{BB962C8B-B14F-4D97-AF65-F5344CB8AC3E}">
